--- a/Organisatorisches/LVS-IR-Taubenstein.pptx
+++ b/Organisatorisches/LVS-IR-Taubenstein.pptx
@@ -114,6 +114,11 @@
       </a:defRPr>
     </a:lvl9pPr>
   </p:defaultTextStyle>
+  <p:extLst>
+    <p:ext uri="{EFAFB233-063F-42B5-8137-9DF3F51BA10A}">
+      <p15:sldGuideLst xmlns:p15="http://schemas.microsoft.com/office/powerpoint/2012/main"/>
+    </p:ext>
+  </p:extLst>
 </p:presentation>
 </file>
 
@@ -130,7 +135,7 @@
   <pc:docChgLst>
     <pc:chgData name="Lea Vanheyden" userId="0ebe8cb9b4dd81cf" providerId="LiveId" clId="{495477B4-C613-4D07-BDB7-E23D159D9F6B}"/>
     <pc:docChg chg="undo custSel mod addSld delSld modSld">
-      <pc:chgData name="Lea Vanheyden" userId="0ebe8cb9b4dd81cf" providerId="LiveId" clId="{495477B4-C613-4D07-BDB7-E23D159D9F6B}" dt="2020-05-02T10:03:36.803" v="1593" actId="2696"/>
+      <pc:chgData name="Lea Vanheyden" userId="0ebe8cb9b4dd81cf" providerId="LiveId" clId="{495477B4-C613-4D07-BDB7-E23D159D9F6B}" dt="2020-05-02T10:06:32.750" v="1612" actId="20577"/>
       <pc:docMkLst>
         <pc:docMk/>
       </pc:docMkLst>
@@ -220,7 +225,7 @@
         </pc:picChg>
       </pc:sldChg>
       <pc:sldChg chg="modSp add">
-        <pc:chgData name="Lea Vanheyden" userId="0ebe8cb9b4dd81cf" providerId="LiveId" clId="{495477B4-C613-4D07-BDB7-E23D159D9F6B}" dt="2020-05-02T09:28:43.445" v="229" actId="20577"/>
+        <pc:chgData name="Lea Vanheyden" userId="0ebe8cb9b4dd81cf" providerId="LiveId" clId="{495477B4-C613-4D07-BDB7-E23D159D9F6B}" dt="2020-05-02T10:06:32.750" v="1612" actId="20577"/>
         <pc:sldMkLst>
           <pc:docMk/>
           <pc:sldMk cId="1267978486" sldId="261"/>
@@ -234,7 +239,7 @@
           </ac:spMkLst>
         </pc:spChg>
         <pc:spChg chg="mod">
-          <ac:chgData name="Lea Vanheyden" userId="0ebe8cb9b4dd81cf" providerId="LiveId" clId="{495477B4-C613-4D07-BDB7-E23D159D9F6B}" dt="2020-05-02T09:28:43.445" v="229" actId="20577"/>
+          <ac:chgData name="Lea Vanheyden" userId="0ebe8cb9b4dd81cf" providerId="LiveId" clId="{495477B4-C613-4D07-BDB7-E23D159D9F6B}" dt="2020-05-02T10:06:32.750" v="1612" actId="20577"/>
           <ac:spMkLst>
             <pc:docMk/>
             <pc:sldMk cId="1267978486" sldId="261"/>
@@ -7195,8 +7200,13 @@
           <a:p>
             <a:r>
               <a:rPr lang="de-DE" dirty="0"/>
-              <a:t>Welche Szenarien machen Sinn zu prüfen?</a:t>
-            </a:r>
+              <a:t>Welche Szenarien machen Sinn </a:t>
+            </a:r>
+            <a:r>
+              <a:rPr lang="de-DE"/>
+              <a:t>sich anzuschauen?</a:t>
+            </a:r>
+            <a:endParaRPr lang="de-DE" dirty="0"/>
           </a:p>
           <a:p>
             <a:endParaRPr lang="de-DE" dirty="0"/>

--- a/Organisatorisches/LVS-IR-Taubenstein.pptx
+++ b/Organisatorisches/LVS-IR-Taubenstein.pptx
@@ -125,7 +125,7 @@
 <file path=ppt/revisionInfo.xml><?xml version="1.0" encoding="utf-8"?>
 <p1510:revInfo xmlns:a="http://schemas.openxmlformats.org/drawingml/2006/main" xmlns:r="http://schemas.openxmlformats.org/officeDocument/2006/relationships" xmlns:p1510="http://schemas.microsoft.com/office/powerpoint/2015/10/main">
   <p1510:revLst>
-    <p1510:client id="{495477B4-C613-4D07-BDB7-E23D159D9F6B}" v="37" dt="2020-05-02T10:03:16.675"/>
+    <p1510:client id="{495477B4-C613-4D07-BDB7-E23D159D9F6B}" v="56" dt="2020-05-05T08:35:51.600"/>
   </p1510:revLst>
 </p1510:revInfo>
 </file>
@@ -135,7 +135,7 @@
   <pc:docChgLst>
     <pc:chgData name="Lea Vanheyden" userId="0ebe8cb9b4dd81cf" providerId="LiveId" clId="{495477B4-C613-4D07-BDB7-E23D159D9F6B}"/>
     <pc:docChg chg="undo custSel mod addSld delSld modSld">
-      <pc:chgData name="Lea Vanheyden" userId="0ebe8cb9b4dd81cf" providerId="LiveId" clId="{495477B4-C613-4D07-BDB7-E23D159D9F6B}" dt="2020-05-02T10:06:32.750" v="1612" actId="20577"/>
+      <pc:chgData name="Lea Vanheyden" userId="0ebe8cb9b4dd81cf" providerId="LiveId" clId="{495477B4-C613-4D07-BDB7-E23D159D9F6B}" dt="2020-05-05T09:01:10.547" v="1728" actId="1076"/>
       <pc:docMkLst>
         <pc:docMk/>
       </pc:docMkLst>
@@ -301,35 +301,291 @@
           </ac:spMkLst>
         </pc:spChg>
       </pc:sldChg>
-      <pc:sldChg chg="modSp add">
-        <pc:chgData name="Lea Vanheyden" userId="0ebe8cb9b4dd81cf" providerId="LiveId" clId="{495477B4-C613-4D07-BDB7-E23D159D9F6B}" dt="2020-05-02T09:35:44.748" v="762" actId="20577"/>
+      <pc:sldChg chg="addSp delSp modSp add mod setBg">
+        <pc:chgData name="Lea Vanheyden" userId="0ebe8cb9b4dd81cf" providerId="LiveId" clId="{495477B4-C613-4D07-BDB7-E23D159D9F6B}" dt="2020-05-05T09:01:10.547" v="1728" actId="1076"/>
         <pc:sldMkLst>
           <pc:docMk/>
           <pc:sldMk cId="3589455395" sldId="263"/>
         </pc:sldMkLst>
         <pc:spChg chg="mod">
-          <ac:chgData name="Lea Vanheyden" userId="0ebe8cb9b4dd81cf" providerId="LiveId" clId="{495477B4-C613-4D07-BDB7-E23D159D9F6B}" dt="2020-05-02T09:35:44.748" v="762" actId="20577"/>
+          <ac:chgData name="Lea Vanheyden" userId="0ebe8cb9b4dd81cf" providerId="LiveId" clId="{495477B4-C613-4D07-BDB7-E23D159D9F6B}" dt="2020-05-05T09:00:58.502" v="1726" actId="26606"/>
           <ac:spMkLst>
             <pc:docMk/>
             <pc:sldMk cId="3589455395" sldId="263"/>
             <ac:spMk id="2" creationId="{01A5A2D6-35A8-4E1F-8039-6774D2ADCB12}"/>
           </ac:spMkLst>
         </pc:spChg>
+        <pc:spChg chg="add del">
+          <ac:chgData name="Lea Vanheyden" userId="0ebe8cb9b4dd81cf" providerId="LiveId" clId="{495477B4-C613-4D07-BDB7-E23D159D9F6B}" dt="2020-05-05T08:33:08.542" v="1679"/>
+          <ac:spMkLst>
+            <pc:docMk/>
+            <pc:sldMk cId="3589455395" sldId="263"/>
+            <ac:spMk id="3" creationId="{A23C3C7C-0FE0-46B0-BBF9-B1D4D96D21F9}"/>
+          </ac:spMkLst>
+        </pc:spChg>
+        <pc:spChg chg="del mod ord">
+          <ac:chgData name="Lea Vanheyden" userId="0ebe8cb9b4dd81cf" providerId="LiveId" clId="{495477B4-C613-4D07-BDB7-E23D159D9F6B}" dt="2020-05-05T09:00:15.177" v="1717" actId="478"/>
+          <ac:spMkLst>
+            <pc:docMk/>
+            <pc:sldMk cId="3589455395" sldId="263"/>
+            <ac:spMk id="4" creationId="{0D26A1E2-395F-4BEF-B7E2-4D7A52A5849E}"/>
+          </ac:spMkLst>
+        </pc:spChg>
+        <pc:spChg chg="add del">
+          <ac:chgData name="Lea Vanheyden" userId="0ebe8cb9b4dd81cf" providerId="LiveId" clId="{495477B4-C613-4D07-BDB7-E23D159D9F6B}" dt="2020-05-05T08:33:20.989" v="1680" actId="931"/>
+          <ac:spMkLst>
+            <pc:docMk/>
+            <pc:sldMk cId="3589455395" sldId="263"/>
+            <ac:spMk id="9" creationId="{77033A80-993A-4B25-ACCE-381DA194AEB8}"/>
+          </ac:spMkLst>
+        </pc:spChg>
+        <pc:spChg chg="add del">
+          <ac:chgData name="Lea Vanheyden" userId="0ebe8cb9b4dd81cf" providerId="LiveId" clId="{495477B4-C613-4D07-BDB7-E23D159D9F6B}" dt="2020-05-05T08:32:34.319" v="1665" actId="26606"/>
+          <ac:spMkLst>
+            <pc:docMk/>
+            <pc:sldMk cId="3589455395" sldId="263"/>
+            <ac:spMk id="11" creationId="{ED6F0A31-5407-4EFA-9DFA-67E942682962}"/>
+          </ac:spMkLst>
+        </pc:spChg>
+        <pc:spChg chg="add del">
+          <ac:chgData name="Lea Vanheyden" userId="0ebe8cb9b4dd81cf" providerId="LiveId" clId="{495477B4-C613-4D07-BDB7-E23D159D9F6B}" dt="2020-05-05T08:32:57.997" v="1676" actId="26606"/>
+          <ac:spMkLst>
+            <pc:docMk/>
+            <pc:sldMk cId="3589455395" sldId="263"/>
+            <ac:spMk id="13" creationId="{C3A694C2-50DA-401D-9E8A-3621EBF0C75C}"/>
+          </ac:spMkLst>
+        </pc:spChg>
+        <pc:spChg chg="add del mod">
+          <ac:chgData name="Lea Vanheyden" userId="0ebe8cb9b4dd81cf" providerId="LiveId" clId="{495477B4-C613-4D07-BDB7-E23D159D9F6B}" dt="2020-05-05T08:34:22.958" v="1691" actId="931"/>
+          <ac:spMkLst>
+            <pc:docMk/>
+            <pc:sldMk cId="3589455395" sldId="263"/>
+            <ac:spMk id="14" creationId="{D4E86814-7EF6-441E-ADEF-370754937B9B}"/>
+          </ac:spMkLst>
+        </pc:spChg>
+        <pc:spChg chg="add del mod">
+          <ac:chgData name="Lea Vanheyden" userId="0ebe8cb9b4dd81cf" providerId="LiveId" clId="{495477B4-C613-4D07-BDB7-E23D159D9F6B}" dt="2020-05-05T08:35:51.600" v="1697" actId="931"/>
+          <ac:spMkLst>
+            <pc:docMk/>
+            <pc:sldMk cId="3589455395" sldId="263"/>
+            <ac:spMk id="18" creationId="{BDB958E6-57ED-4B55-89D2-F466F9817032}"/>
+          </ac:spMkLst>
+        </pc:spChg>
+        <pc:spChg chg="add del">
+          <ac:chgData name="Lea Vanheyden" userId="0ebe8cb9b4dd81cf" providerId="LiveId" clId="{495477B4-C613-4D07-BDB7-E23D159D9F6B}" dt="2020-05-05T08:34:32.657" v="1695" actId="26606"/>
+          <ac:spMkLst>
+            <pc:docMk/>
+            <pc:sldMk cId="3589455395" sldId="263"/>
+            <ac:spMk id="21" creationId="{B9A6A8C2-8B3A-4AD3-AFCC-F1D3F1F02D3F}"/>
+          </ac:spMkLst>
+        </pc:spChg>
+        <pc:spChg chg="add del">
+          <ac:chgData name="Lea Vanheyden" userId="0ebe8cb9b4dd81cf" providerId="LiveId" clId="{495477B4-C613-4D07-BDB7-E23D159D9F6B}" dt="2020-05-05T08:34:32.657" v="1695" actId="26606"/>
+          <ac:spMkLst>
+            <pc:docMk/>
+            <pc:sldMk cId="3589455395" sldId="263"/>
+            <ac:spMk id="23" creationId="{CDF64937-39B5-4AB3-A2EF-EA689BA6087B}"/>
+          </ac:spMkLst>
+        </pc:spChg>
+        <pc:spChg chg="add del">
+          <ac:chgData name="Lea Vanheyden" userId="0ebe8cb9b4dd81cf" providerId="LiveId" clId="{495477B4-C613-4D07-BDB7-E23D159D9F6B}" dt="2020-05-05T08:36:42.621" v="1707" actId="26606"/>
+          <ac:spMkLst>
+            <pc:docMk/>
+            <pc:sldMk cId="3589455395" sldId="263"/>
+            <ac:spMk id="25" creationId="{ED6F0A31-5407-4EFA-9DFA-67E942682962}"/>
+          </ac:spMkLst>
+        </pc:spChg>
+        <pc:spChg chg="add del">
+          <ac:chgData name="Lea Vanheyden" userId="0ebe8cb9b4dd81cf" providerId="LiveId" clId="{495477B4-C613-4D07-BDB7-E23D159D9F6B}" dt="2020-05-05T08:59:36.407" v="1713" actId="26606"/>
+          <ac:spMkLst>
+            <pc:docMk/>
+            <pc:sldMk cId="3589455395" sldId="263"/>
+            <ac:spMk id="30" creationId="{ED6F0A31-5407-4EFA-9DFA-67E942682962}"/>
+          </ac:spMkLst>
+        </pc:spChg>
+        <pc:spChg chg="add del">
+          <ac:chgData name="Lea Vanheyden" userId="0ebe8cb9b4dd81cf" providerId="LiveId" clId="{495477B4-C613-4D07-BDB7-E23D159D9F6B}" dt="2020-05-05T09:00:58.502" v="1726" actId="26606"/>
+          <ac:spMkLst>
+            <pc:docMk/>
+            <pc:sldMk cId="3589455395" sldId="263"/>
+            <ac:spMk id="35" creationId="{C3A694C2-50DA-401D-9E8A-3621EBF0C75C}"/>
+          </ac:spMkLst>
+        </pc:spChg>
+        <pc:spChg chg="add">
+          <ac:chgData name="Lea Vanheyden" userId="0ebe8cb9b4dd81cf" providerId="LiveId" clId="{495477B4-C613-4D07-BDB7-E23D159D9F6B}" dt="2020-05-05T09:00:58.502" v="1726" actId="26606"/>
+          <ac:spMkLst>
+            <pc:docMk/>
+            <pc:sldMk cId="3589455395" sldId="263"/>
+            <ac:spMk id="40" creationId="{ED6F0A31-5407-4EFA-9DFA-67E942682962}"/>
+          </ac:spMkLst>
+        </pc:spChg>
+        <pc:picChg chg="add del mod">
+          <ac:chgData name="Lea Vanheyden" userId="0ebe8cb9b4dd81cf" providerId="LiveId" clId="{495477B4-C613-4D07-BDB7-E23D159D9F6B}" dt="2020-05-05T08:32:35.171" v="1667" actId="931"/>
+          <ac:picMkLst>
+            <pc:docMk/>
+            <pc:sldMk cId="3589455395" sldId="263"/>
+            <ac:picMk id="6" creationId="{3DE771EA-F551-4842-BF85-8A2114D2F35F}"/>
+          </ac:picMkLst>
+        </pc:picChg>
+        <pc:picChg chg="add del mod">
+          <ac:chgData name="Lea Vanheyden" userId="0ebe8cb9b4dd81cf" providerId="LiveId" clId="{495477B4-C613-4D07-BDB7-E23D159D9F6B}" dt="2020-05-05T08:32:58.790" v="1678" actId="931"/>
+          <ac:picMkLst>
+            <pc:docMk/>
+            <pc:sldMk cId="3589455395" sldId="263"/>
+            <ac:picMk id="8" creationId="{E0F5E144-04F2-4F5D-90F7-8E2AB5C69EF6}"/>
+          </ac:picMkLst>
+        </pc:picChg>
+        <pc:picChg chg="add del mod">
+          <ac:chgData name="Lea Vanheyden" userId="0ebe8cb9b4dd81cf" providerId="LiveId" clId="{495477B4-C613-4D07-BDB7-E23D159D9F6B}" dt="2020-05-05T08:34:16.119" v="1690" actId="478"/>
+          <ac:picMkLst>
+            <pc:docMk/>
+            <pc:sldMk cId="3589455395" sldId="263"/>
+            <ac:picMk id="12" creationId="{5E3E8707-EDDB-402A-B43D-9E6C053E382D}"/>
+          </ac:picMkLst>
+        </pc:picChg>
+        <pc:picChg chg="add del mod">
+          <ac:chgData name="Lea Vanheyden" userId="0ebe8cb9b4dd81cf" providerId="LiveId" clId="{495477B4-C613-4D07-BDB7-E23D159D9F6B}" dt="2020-05-05T08:35:00.151" v="1696" actId="478"/>
+          <ac:picMkLst>
+            <pc:docMk/>
+            <pc:sldMk cId="3589455395" sldId="263"/>
+            <ac:picMk id="16" creationId="{F93C654C-5BF6-4013-A355-CD5BBCAC4270}"/>
+          </ac:picMkLst>
+        </pc:picChg>
+        <pc:picChg chg="add mod modCrop">
+          <ac:chgData name="Lea Vanheyden" userId="0ebe8cb9b4dd81cf" providerId="LiveId" clId="{495477B4-C613-4D07-BDB7-E23D159D9F6B}" dt="2020-05-05T09:01:10.547" v="1728" actId="1076"/>
+          <ac:picMkLst>
+            <pc:docMk/>
+            <pc:sldMk cId="3589455395" sldId="263"/>
+            <ac:picMk id="20" creationId="{89613E34-9896-405C-863E-A6795F77CDDC}"/>
+          </ac:picMkLst>
+        </pc:picChg>
       </pc:sldChg>
-      <pc:sldChg chg="modSp add">
-        <pc:chgData name="Lea Vanheyden" userId="0ebe8cb9b4dd81cf" providerId="LiveId" clId="{495477B4-C613-4D07-BDB7-E23D159D9F6B}" dt="2020-05-02T09:39:58.949" v="782" actId="20577"/>
+      <pc:sldChg chg="addSp delSp modSp add mod setBg">
+        <pc:chgData name="Lea Vanheyden" userId="0ebe8cb9b4dd81cf" providerId="LiveId" clId="{495477B4-C613-4D07-BDB7-E23D159D9F6B}" dt="2020-05-05T09:00:54.462" v="1725" actId="1076"/>
         <pc:sldMkLst>
           <pc:docMk/>
           <pc:sldMk cId="2316147261" sldId="264"/>
         </pc:sldMkLst>
         <pc:spChg chg="mod">
-          <ac:chgData name="Lea Vanheyden" userId="0ebe8cb9b4dd81cf" providerId="LiveId" clId="{495477B4-C613-4D07-BDB7-E23D159D9F6B}" dt="2020-05-02T09:39:58.949" v="782" actId="20577"/>
+          <ac:chgData name="Lea Vanheyden" userId="0ebe8cb9b4dd81cf" providerId="LiveId" clId="{495477B4-C613-4D07-BDB7-E23D159D9F6B}" dt="2020-05-05T09:00:46.587" v="1723" actId="26606"/>
           <ac:spMkLst>
             <pc:docMk/>
             <pc:sldMk cId="2316147261" sldId="264"/>
             <ac:spMk id="2" creationId="{16E58BFA-8BEF-4E5D-B568-2D1DA8110E18}"/>
           </ac:spMkLst>
         </pc:spChg>
+        <pc:spChg chg="add del">
+          <ac:chgData name="Lea Vanheyden" userId="0ebe8cb9b4dd81cf" providerId="LiveId" clId="{495477B4-C613-4D07-BDB7-E23D159D9F6B}" dt="2020-05-05T08:02:14.567" v="1652" actId="931"/>
+          <ac:spMkLst>
+            <pc:docMk/>
+            <pc:sldMk cId="2316147261" sldId="264"/>
+            <ac:spMk id="3" creationId="{B68275F1-C393-4DAB-8A2A-4D2A6595D75E}"/>
+          </ac:spMkLst>
+        </pc:spChg>
+        <pc:spChg chg="add del">
+          <ac:chgData name="Lea Vanheyden" userId="0ebe8cb9b4dd81cf" providerId="LiveId" clId="{495477B4-C613-4D07-BDB7-E23D159D9F6B}" dt="2020-05-05T08:02:19.909" v="1655" actId="26606"/>
+          <ac:spMkLst>
+            <pc:docMk/>
+            <pc:sldMk cId="2316147261" sldId="264"/>
+            <ac:spMk id="4" creationId="{912A42DB-1C31-4A97-A35F-78018E56BE26}"/>
+          </ac:spMkLst>
+        </pc:spChg>
+        <pc:spChg chg="add del">
+          <ac:chgData name="Lea Vanheyden" userId="0ebe8cb9b4dd81cf" providerId="LiveId" clId="{495477B4-C613-4D07-BDB7-E23D159D9F6B}" dt="2020-05-05T08:01:08.820" v="1635"/>
+          <ac:spMkLst>
+            <pc:docMk/>
+            <pc:sldMk cId="2316147261" sldId="264"/>
+            <ac:spMk id="5" creationId="{4E506707-E37F-41E6-B9E6-A8D7229D7569}"/>
+          </ac:spMkLst>
+        </pc:spChg>
+        <pc:spChg chg="add del">
+          <ac:chgData name="Lea Vanheyden" userId="0ebe8cb9b4dd81cf" providerId="LiveId" clId="{495477B4-C613-4D07-BDB7-E23D159D9F6B}" dt="2020-05-05T08:02:08.846" v="1649" actId="26606"/>
+          <ac:spMkLst>
+            <pc:docMk/>
+            <pc:sldMk cId="2316147261" sldId="264"/>
+            <ac:spMk id="12" creationId="{ED6F0A31-5407-4EFA-9DFA-67E942682962}"/>
+          </ac:spMkLst>
+        </pc:spChg>
+        <pc:spChg chg="add del">
+          <ac:chgData name="Lea Vanheyden" userId="0ebe8cb9b4dd81cf" providerId="LiveId" clId="{495477B4-C613-4D07-BDB7-E23D159D9F6B}" dt="2020-05-05T08:02:54.279" v="1658" actId="26606"/>
+          <ac:spMkLst>
+            <pc:docMk/>
+            <pc:sldMk cId="2316147261" sldId="264"/>
+            <ac:spMk id="14" creationId="{E16940E4-C13B-40E2-BBE7-B4D5C4431239}"/>
+          </ac:spMkLst>
+        </pc:spChg>
+        <pc:spChg chg="add del">
+          <ac:chgData name="Lea Vanheyden" userId="0ebe8cb9b4dd81cf" providerId="LiveId" clId="{495477B4-C613-4D07-BDB7-E23D159D9F6B}" dt="2020-05-05T08:02:54.279" v="1658" actId="26606"/>
+          <ac:spMkLst>
+            <pc:docMk/>
+            <pc:sldMk cId="2316147261" sldId="264"/>
+            <ac:spMk id="16" creationId="{E540579D-B19A-4294-B609-AC21F57E3F41}"/>
+          </ac:spMkLst>
+        </pc:spChg>
+        <pc:spChg chg="add del">
+          <ac:chgData name="Lea Vanheyden" userId="0ebe8cb9b4dd81cf" providerId="LiveId" clId="{495477B4-C613-4D07-BDB7-E23D159D9F6B}" dt="2020-05-05T08:02:08.446" v="1648" actId="26606"/>
+          <ac:spMkLst>
+            <pc:docMk/>
+            <pc:sldMk cId="2316147261" sldId="264"/>
+            <ac:spMk id="17" creationId="{3BB141AD-5438-4A35-B313-8503E1D4DC09}"/>
+          </ac:spMkLst>
+        </pc:spChg>
+        <pc:spChg chg="add del">
+          <ac:chgData name="Lea Vanheyden" userId="0ebe8cb9b4dd81cf" providerId="LiveId" clId="{495477B4-C613-4D07-BDB7-E23D159D9F6B}" dt="2020-05-05T08:02:08.446" v="1648" actId="26606"/>
+          <ac:spMkLst>
+            <pc:docMk/>
+            <pc:sldMk cId="2316147261" sldId="264"/>
+            <ac:spMk id="19" creationId="{C45CB849-ABCA-4399-A6AC-11C7B916F151}"/>
+          </ac:spMkLst>
+        </pc:spChg>
+        <pc:spChg chg="add del">
+          <ac:chgData name="Lea Vanheyden" userId="0ebe8cb9b4dd81cf" providerId="LiveId" clId="{495477B4-C613-4D07-BDB7-E23D159D9F6B}" dt="2020-05-05T09:00:21.949" v="1718" actId="26606"/>
+          <ac:spMkLst>
+            <pc:docMk/>
+            <pc:sldMk cId="2316147261" sldId="264"/>
+            <ac:spMk id="21" creationId="{ED6F0A31-5407-4EFA-9DFA-67E942682962}"/>
+          </ac:spMkLst>
+        </pc:spChg>
+        <pc:spChg chg="add del">
+          <ac:chgData name="Lea Vanheyden" userId="0ebe8cb9b4dd81cf" providerId="LiveId" clId="{495477B4-C613-4D07-BDB7-E23D159D9F6B}" dt="2020-05-05T09:00:46.587" v="1723" actId="26606"/>
+          <ac:spMkLst>
+            <pc:docMk/>
+            <pc:sldMk cId="2316147261" sldId="264"/>
+            <ac:spMk id="26" creationId="{CEA480D0-1CDA-450E-B62A-17E6A8D1968D}"/>
+          </ac:spMkLst>
+        </pc:spChg>
+        <pc:spChg chg="add del">
+          <ac:chgData name="Lea Vanheyden" userId="0ebe8cb9b4dd81cf" providerId="LiveId" clId="{495477B4-C613-4D07-BDB7-E23D159D9F6B}" dt="2020-05-05T09:00:46.579" v="1722" actId="26606"/>
+          <ac:spMkLst>
+            <pc:docMk/>
+            <pc:sldMk cId="2316147261" sldId="264"/>
+            <ac:spMk id="31" creationId="{C3A694C2-50DA-401D-9E8A-3621EBF0C75C}"/>
+          </ac:spMkLst>
+        </pc:spChg>
+        <pc:spChg chg="add">
+          <ac:chgData name="Lea Vanheyden" userId="0ebe8cb9b4dd81cf" providerId="LiveId" clId="{495477B4-C613-4D07-BDB7-E23D159D9F6B}" dt="2020-05-05T09:00:46.587" v="1723" actId="26606"/>
+          <ac:spMkLst>
+            <pc:docMk/>
+            <pc:sldMk cId="2316147261" sldId="264"/>
+            <ac:spMk id="33" creationId="{ED6F0A31-5407-4EFA-9DFA-67E942682962}"/>
+          </ac:spMkLst>
+        </pc:spChg>
+        <pc:picChg chg="add del mod">
+          <ac:chgData name="Lea Vanheyden" userId="0ebe8cb9b4dd81cf" providerId="LiveId" clId="{495477B4-C613-4D07-BDB7-E23D159D9F6B}" dt="2020-05-05T08:02:10.115" v="1651" actId="931"/>
+          <ac:picMkLst>
+            <pc:docMk/>
+            <pc:sldMk cId="2316147261" sldId="264"/>
+            <ac:picMk id="7" creationId="{890077F8-78F9-43D8-99BC-B6330764B1BA}"/>
+          </ac:picMkLst>
+        </pc:picChg>
+        <pc:picChg chg="add mod">
+          <ac:chgData name="Lea Vanheyden" userId="0ebe8cb9b4dd81cf" providerId="LiveId" clId="{495477B4-C613-4D07-BDB7-E23D159D9F6B}" dt="2020-05-05T09:00:54.462" v="1725" actId="1076"/>
+          <ac:picMkLst>
+            <pc:docMk/>
+            <pc:sldMk cId="2316147261" sldId="264"/>
+            <ac:picMk id="9" creationId="{750F56C4-BD17-490E-B134-53B6FAC86FBB}"/>
+          </ac:picMkLst>
+        </pc:picChg>
       </pc:sldChg>
       <pc:sldChg chg="modSp add">
         <pc:chgData name="Lea Vanheyden" userId="0ebe8cb9b4dd81cf" providerId="LiveId" clId="{495477B4-C613-4D07-BDB7-E23D159D9F6B}" dt="2020-05-02T09:43:34.338" v="1064" actId="5793"/>
@@ -440,7 +696,7 @@
         </pc:picChg>
       </pc:sldChg>
       <pc:sldChg chg="addSp delSp modSp add mod setBg">
-        <pc:chgData name="Lea Vanheyden" userId="0ebe8cb9b4dd81cf" providerId="LiveId" clId="{495477B4-C613-4D07-BDB7-E23D159D9F6B}" dt="2020-05-02T10:01:03.352" v="1568" actId="255"/>
+        <pc:chgData name="Lea Vanheyden" userId="0ebe8cb9b4dd81cf" providerId="LiveId" clId="{495477B4-C613-4D07-BDB7-E23D159D9F6B}" dt="2020-05-04T13:44:57.260" v="1633" actId="6549"/>
         <pc:sldMkLst>
           <pc:docMk/>
           <pc:sldMk cId="3549068944" sldId="267"/>
@@ -502,7 +758,7 @@
           </ac:graphicFrameMkLst>
         </pc:graphicFrameChg>
         <pc:graphicFrameChg chg="add mod modGraphic">
-          <ac:chgData name="Lea Vanheyden" userId="0ebe8cb9b4dd81cf" providerId="LiveId" clId="{495477B4-C613-4D07-BDB7-E23D159D9F6B}" dt="2020-05-02T10:00:26.380" v="1558" actId="1076"/>
+          <ac:chgData name="Lea Vanheyden" userId="0ebe8cb9b4dd81cf" providerId="LiveId" clId="{495477B4-C613-4D07-BDB7-E23D159D9F6B}" dt="2020-05-04T13:44:57.260" v="1633" actId="6549"/>
           <ac:graphicFrameMkLst>
             <pc:docMk/>
             <pc:sldMk cId="3549068944" sldId="267"/>
@@ -524,6 +780,45 @@
             <ac:spMk id="2" creationId="{4ABAE42E-4932-48E2-9822-33A31E45DFC2}"/>
           </ac:spMkLst>
         </pc:spChg>
+      </pc:sldChg>
+      <pc:sldChg chg="addSp delSp modSp add del mod setBg">
+        <pc:chgData name="Lea Vanheyden" userId="0ebe8cb9b4dd81cf" providerId="LiveId" clId="{495477B4-C613-4D07-BDB7-E23D159D9F6B}" dt="2020-05-05T08:34:11.150" v="1689" actId="2696"/>
+        <pc:sldMkLst>
+          <pc:docMk/>
+          <pc:sldMk cId="3334388216" sldId="268"/>
+        </pc:sldMkLst>
+        <pc:spChg chg="mod">
+          <ac:chgData name="Lea Vanheyden" userId="0ebe8cb9b4dd81cf" providerId="LiveId" clId="{495477B4-C613-4D07-BDB7-E23D159D9F6B}" dt="2020-05-05T08:33:58.638" v="1688" actId="26606"/>
+          <ac:spMkLst>
+            <pc:docMk/>
+            <pc:sldMk cId="3334388216" sldId="268"/>
+            <ac:spMk id="2" creationId="{5AB72E45-437B-4E94-AFC4-E4FD8F8EFC06}"/>
+          </ac:spMkLst>
+        </pc:spChg>
+        <pc:spChg chg="del">
+          <ac:chgData name="Lea Vanheyden" userId="0ebe8cb9b4dd81cf" providerId="LiveId" clId="{495477B4-C613-4D07-BDB7-E23D159D9F6B}" dt="2020-05-05T08:33:56.069" v="1685" actId="931"/>
+          <ac:spMkLst>
+            <pc:docMk/>
+            <pc:sldMk cId="3334388216" sldId="268"/>
+            <ac:spMk id="3" creationId="{A03A067D-9123-4EBA-BF34-B5E3D6555256}"/>
+          </ac:spMkLst>
+        </pc:spChg>
+        <pc:spChg chg="add">
+          <ac:chgData name="Lea Vanheyden" userId="0ebe8cb9b4dd81cf" providerId="LiveId" clId="{495477B4-C613-4D07-BDB7-E23D159D9F6B}" dt="2020-05-05T08:33:58.638" v="1688" actId="26606"/>
+          <ac:spMkLst>
+            <pc:docMk/>
+            <pc:sldMk cId="3334388216" sldId="268"/>
+            <ac:spMk id="11" creationId="{ED6F0A31-5407-4EFA-9DFA-67E942682962}"/>
+          </ac:spMkLst>
+        </pc:spChg>
+        <pc:picChg chg="add mod">
+          <ac:chgData name="Lea Vanheyden" userId="0ebe8cb9b4dd81cf" providerId="LiveId" clId="{495477B4-C613-4D07-BDB7-E23D159D9F6B}" dt="2020-05-05T08:33:58.638" v="1688" actId="26606"/>
+          <ac:picMkLst>
+            <pc:docMk/>
+            <pc:sldMk cId="3334388216" sldId="268"/>
+            <ac:picMk id="6" creationId="{65F5CF01-51CF-4CD8-A3AE-A824867E260F}"/>
+          </ac:picMkLst>
+        </pc:picChg>
       </pc:sldChg>
       <pc:sldChg chg="addSp delSp add del">
         <pc:chgData name="Lea Vanheyden" userId="0ebe8cb9b4dd81cf" providerId="LiveId" clId="{495477B4-C613-4D07-BDB7-E23D159D9F6B}" dt="2020-05-02T10:03:36.803" v="1593" actId="2696"/>
@@ -739,7 +1034,7 @@
           <a:p>
             <a:fld id="{1160EA64-D806-43AC-9DF2-F8C432F32B4C}" type="datetimeFigureOut">
               <a:rPr lang="en-US" dirty="0"/>
-              <a:t>5/2/2020</a:t>
+              <a:t>5/5/2020</a:t>
             </a:fld>
             <a:endParaRPr lang="en-US" dirty="0"/>
           </a:p>
@@ -905,7 +1200,7 @@
           <a:p>
             <a:fld id="{E9F9C37B-1D36-470B-8223-D6C91242EC14}" type="datetimeFigureOut">
               <a:rPr lang="en-US" dirty="0"/>
-              <a:t>5/2/2020</a:t>
+              <a:t>5/5/2020</a:t>
             </a:fld>
             <a:endParaRPr lang="en-US" dirty="0"/>
           </a:p>
@@ -1080,7 +1375,7 @@
           <a:p>
             <a:fld id="{67C6F52A-A82B-47A2-A83A-8C4C91F2D59F}" type="datetimeFigureOut">
               <a:rPr lang="en-US" dirty="0"/>
-              <a:t>5/2/2020</a:t>
+              <a:t>5/5/2020</a:t>
             </a:fld>
             <a:endParaRPr lang="en-US" dirty="0"/>
           </a:p>
@@ -1245,7 +1540,7 @@
           <a:p>
             <a:fld id="{F070A7B3-6521-4DCA-87E5-044747A908C1}" type="datetimeFigureOut">
               <a:rPr lang="en-US" dirty="0"/>
-              <a:t>5/2/2020</a:t>
+              <a:t>5/5/2020</a:t>
             </a:fld>
             <a:endParaRPr lang="en-US" dirty="0"/>
           </a:p>
@@ -1509,7 +1804,7 @@
           <a:p>
             <a:fld id="{1160EA64-D806-43AC-9DF2-F8C432F32B4C}" type="datetimeFigureOut">
               <a:rPr lang="en-US" dirty="0"/>
-              <a:t>5/2/2020</a:t>
+              <a:t>5/5/2020</a:t>
             </a:fld>
             <a:endParaRPr lang="en-US" dirty="0"/>
           </a:p>
@@ -1737,7 +2032,7 @@
           <a:p>
             <a:fld id="{AB134690-1557-4C89-A502-4959FE7FAD70}" type="datetimeFigureOut">
               <a:rPr lang="en-US" dirty="0"/>
-              <a:t>5/2/2020</a:t>
+              <a:t>5/5/2020</a:t>
             </a:fld>
             <a:endParaRPr lang="en-US" dirty="0"/>
           </a:p>
@@ -2087,7 +2382,7 @@
           <a:p>
             <a:fld id="{4F7D4976-E339-4826-83B7-FBD03F55ECF8}" type="datetimeFigureOut">
               <a:rPr lang="en-US" dirty="0"/>
-              <a:t>5/2/2020</a:t>
+              <a:t>5/5/2020</a:t>
             </a:fld>
             <a:endParaRPr lang="en-US" dirty="0"/>
           </a:p>
@@ -2223,7 +2518,7 @@
           <a:p>
             <a:fld id="{E1037C31-9E7A-4F99-8774-A0E530DE1A42}" type="datetimeFigureOut">
               <a:rPr lang="en-US" dirty="0"/>
-              <a:t>5/2/2020</a:t>
+              <a:t>5/5/2020</a:t>
             </a:fld>
             <a:endParaRPr lang="en-US" dirty="0"/>
           </a:p>
@@ -2313,7 +2608,7 @@
           <a:p>
             <a:fld id="{C278504F-A551-4DE0-9316-4DCD1D8CC752}" type="datetimeFigureOut">
               <a:rPr lang="en-US" dirty="0"/>
-              <a:t>5/2/2020</a:t>
+              <a:t>5/5/2020</a:t>
             </a:fld>
             <a:endParaRPr lang="en-US" dirty="0"/>
           </a:p>
@@ -2665,7 +2960,7 @@
           <a:p>
             <a:fld id="{1160EA64-D806-43AC-9DF2-F8C432F32B4C}" type="datetimeFigureOut">
               <a:rPr lang="en-US" dirty="0"/>
-              <a:t>5/2/2020</a:t>
+              <a:t>5/5/2020</a:t>
             </a:fld>
             <a:endParaRPr lang="en-US" dirty="0"/>
           </a:p>
@@ -3018,7 +3313,7 @@
             <a:fld id="{1160EA64-D806-43AC-9DF2-F8C432F32B4C}" type="datetimeFigureOut">
               <a:rPr lang="en-US" dirty="0"/>
               <a:pPr/>
-              <a:t>5/2/2020</a:t>
+              <a:t>5/5/2020</a:t>
             </a:fld>
             <a:endParaRPr lang="en-US" dirty="0"/>
           </a:p>
@@ -3254,7 +3549,7 @@
           <a:p>
             <a:fld id="{1160EA64-D806-43AC-9DF2-F8C432F32B4C}" type="datetimeFigureOut">
               <a:rPr lang="en-US" dirty="0"/>
-              <a:t>5/2/2020</a:t>
+              <a:t>5/5/2020</a:t>
             </a:fld>
             <a:endParaRPr lang="en-US" dirty="0"/>
           </a:p>
@@ -4394,14 +4689,14 @@
             <p:ph idx="1"/>
             <p:extLst>
               <p:ext uri="{D42A27DB-BD31-4B8C-83A1-F6EECF244321}">
-                <p14:modId xmlns:p14="http://schemas.microsoft.com/office/powerpoint/2010/main" val="4076190130"/>
+                <p14:modId xmlns:p14="http://schemas.microsoft.com/office/powerpoint/2010/main" val="4725871"/>
               </p:ext>
             </p:extLst>
           </p:nvPr>
         </p:nvGraphicFramePr>
         <p:xfrm>
-          <a:off x="5495098" y="964819"/>
-          <a:ext cx="5216020" cy="4643007"/>
+          <a:off x="5549739" y="1374149"/>
+          <a:ext cx="5106737" cy="3794995"/>
         </p:xfrm>
         <a:graphic>
           <a:graphicData uri="http://schemas.openxmlformats.org/drawingml/2006/table">
@@ -4422,7 +4717,7 @@
                     </a:ext>
                   </a:extLst>
                 </a:gridCol>
-                <a:gridCol w="1095040">
+                <a:gridCol w="985757">
                   <a:extLst>
                     <a:ext uri="{9D8B030D-6E8A-4147-A177-3AD203B41FA5}">
                       <a16:colId xmlns:a16="http://schemas.microsoft.com/office/drawing/2014/main" val="1974490211"/>
@@ -4451,7 +4746,7 @@
                           <a:spcPts val="0"/>
                         </a:spcAft>
                       </a:pPr>
-                      <a:endParaRPr lang="de-DE" sz="2300" b="0" i="0" u="none" strike="noStrike">
+                      <a:endParaRPr lang="de-DE" sz="2300" b="0" i="0" u="none" strike="noStrike" dirty="0">
                         <a:effectLst/>
                         <a:latin typeface="Arial" panose="020B0604020202020204" pitchFamily="34" charset="0"/>
                       </a:endParaRPr>
@@ -4746,7 +5041,7 @@
                         </a:spcAft>
                       </a:pPr>
                       <a:r>
-                        <a:rPr lang="de-DE" sz="1400" b="0" i="0" u="none" strike="noStrike">
+                        <a:rPr lang="de-DE" sz="1400" b="0" i="0" u="none" strike="noStrike" dirty="0">
                           <a:solidFill>
                             <a:srgbClr val="000000"/>
                           </a:solidFill>
@@ -4755,7 +5050,7 @@
                         </a:rPr>
                         <a:t>0.2058 (***)</a:t>
                       </a:r>
-                      <a:endParaRPr lang="de-DE" sz="2300" b="0" i="0" u="none" strike="noStrike">
+                      <a:endParaRPr lang="de-DE" sz="2300" b="0" i="0" u="none" strike="noStrike" dirty="0">
                         <a:effectLst/>
                         <a:latin typeface="Arial" panose="020B0604020202020204" pitchFamily="34" charset="0"/>
                       </a:endParaRPr>
@@ -4952,7 +5247,7 @@
                         </a:spcAft>
                       </a:pPr>
                       <a:r>
-                        <a:rPr lang="de-DE" sz="1400" b="0" i="0" u="none" strike="noStrike">
+                        <a:rPr lang="de-DE" sz="1400" b="0" i="0" u="none" strike="noStrike" dirty="0">
                           <a:solidFill>
                             <a:srgbClr val="000000"/>
                           </a:solidFill>
@@ -4961,7 +5256,7 @@
                         </a:rPr>
                         <a:t>0.5169 ()</a:t>
                       </a:r>
-                      <a:endParaRPr lang="de-DE" sz="2300" b="0" i="0" u="none" strike="noStrike">
+                      <a:endParaRPr lang="de-DE" sz="2300" b="0" i="0" u="none" strike="noStrike" dirty="0">
                         <a:effectLst/>
                         <a:latin typeface="Arial" panose="020B0604020202020204" pitchFamily="34" charset="0"/>
                       </a:endParaRPr>
@@ -5153,16 +5448,16 @@
                         </a:spcAft>
                       </a:pPr>
                       <a:r>
-                        <a:rPr lang="de-DE" sz="1400" b="0" i="0" u="none" strike="noStrike">
+                        <a:rPr lang="de-DE" sz="1400" b="0" i="0" u="none" strike="noStrike" dirty="0">
                           <a:solidFill>
                             <a:srgbClr val="000000"/>
                           </a:solidFill>
                           <a:effectLst/>
                           <a:latin typeface="Calibri" panose="020F0502020204030204" pitchFamily="34" charset="0"/>
                         </a:rPr>
-                        <a:t>0.001 (***)</a:t>
+                        <a:t> (***)</a:t>
                       </a:r>
-                      <a:endParaRPr lang="de-DE" sz="2300" b="0" i="0" u="none" strike="noStrike">
+                      <a:endParaRPr lang="de-DE" sz="2300" b="0" i="0" u="none" strike="noStrike" dirty="0">
                         <a:effectLst/>
                         <a:latin typeface="Arial" panose="020B0604020202020204" pitchFamily="34" charset="0"/>
                       </a:endParaRPr>
@@ -5203,16 +5498,16 @@
                         </a:spcAft>
                       </a:pPr>
                       <a:r>
-                        <a:rPr lang="de-DE" sz="1400" b="0" i="0" u="none" strike="noStrike">
+                        <a:rPr lang="de-DE" sz="1400" b="0" i="0" u="none" strike="noStrike" dirty="0">
                           <a:solidFill>
                             <a:srgbClr val="000000"/>
                           </a:solidFill>
                           <a:effectLst/>
                           <a:latin typeface="Calibri" panose="020F0502020204030204" pitchFamily="34" charset="0"/>
                         </a:rPr>
-                        <a:t>0.001 (***)</a:t>
+                        <a:t> (***)</a:t>
                       </a:r>
-                      <a:endParaRPr lang="de-DE" sz="2300" b="0" i="0" u="none" strike="noStrike">
+                      <a:endParaRPr lang="de-DE" sz="2300" b="0" i="0" u="none" strike="noStrike" dirty="0">
                         <a:effectLst/>
                         <a:latin typeface="Arial" panose="020B0604020202020204" pitchFamily="34" charset="0"/>
                       </a:endParaRPr>
@@ -5239,7 +5534,7 @@
                   </a:ext>
                 </a:extLst>
               </a:tr>
-              <a:tr h="272405">
+              <a:tr h="339984">
                 <a:tc>
                   <a:txBody>
                     <a:bodyPr/>
@@ -5341,16 +5636,16 @@
                         </a:spcAft>
                       </a:pPr>
                       <a:r>
-                        <a:rPr lang="de-DE" sz="1400" b="0" i="0" u="none" strike="noStrike">
+                        <a:rPr lang="de-DE" sz="1400" b="0" i="0" u="none" strike="noStrike" dirty="0">
                           <a:solidFill>
                             <a:srgbClr val="000000"/>
                           </a:solidFill>
                           <a:effectLst/>
                           <a:latin typeface="Calibri" panose="020F0502020204030204" pitchFamily="34" charset="0"/>
                         </a:rPr>
-                        <a:t>0.084 (.)</a:t>
+                        <a:t> (.)</a:t>
                       </a:r>
-                      <a:endParaRPr lang="de-DE" sz="2300" b="0" i="0" u="none" strike="noStrike">
+                      <a:endParaRPr lang="de-DE" sz="2300" b="0" i="0" u="none" strike="noStrike" dirty="0">
                         <a:effectLst/>
                         <a:latin typeface="Arial" panose="020B0604020202020204" pitchFamily="34" charset="0"/>
                       </a:endParaRPr>
@@ -5394,16 +5689,16 @@
                         </a:spcAft>
                       </a:pPr>
                       <a:r>
-                        <a:rPr lang="de-DE" sz="1400" b="0" i="0" u="none" strike="noStrike">
+                        <a:rPr lang="de-DE" sz="1400" b="0" i="0" u="none" strike="noStrike" dirty="0">
                           <a:solidFill>
                             <a:srgbClr val="000000"/>
                           </a:solidFill>
                           <a:effectLst/>
                           <a:latin typeface="Calibri" panose="020F0502020204030204" pitchFamily="34" charset="0"/>
                         </a:rPr>
-                        <a:t>0.1487 ()</a:t>
+                        <a:t> ()</a:t>
                       </a:r>
-                      <a:endParaRPr lang="de-DE" sz="2300" b="0" i="0" u="none" strike="noStrike">
+                      <a:endParaRPr lang="de-DE" sz="2300" b="0" i="0" u="none" strike="noStrike" dirty="0">
                         <a:effectLst/>
                         <a:latin typeface="Arial" panose="020B0604020202020204" pitchFamily="34" charset="0"/>
                       </a:endParaRPr>
@@ -5532,16 +5827,16 @@
                         </a:spcAft>
                       </a:pPr>
                       <a:r>
-                        <a:rPr lang="de-DE" sz="1400" b="0" i="0" u="none" strike="noStrike">
+                        <a:rPr lang="de-DE" sz="1400" b="0" i="0" u="none" strike="noStrike" dirty="0">
                           <a:solidFill>
                             <a:srgbClr val="000000"/>
                           </a:solidFill>
                           <a:effectLst/>
                           <a:latin typeface="Calibri" panose="020F0502020204030204" pitchFamily="34" charset="0"/>
                         </a:rPr>
-                        <a:t>0.138 ()</a:t>
+                        <a:t> ()</a:t>
                       </a:r>
-                      <a:endParaRPr lang="de-DE" sz="2300" b="0" i="0" u="none" strike="noStrike">
+                      <a:endParaRPr lang="de-DE" sz="2300" b="0" i="0" u="none" strike="noStrike" dirty="0">
                         <a:effectLst/>
                         <a:latin typeface="Arial" panose="020B0604020202020204" pitchFamily="34" charset="0"/>
                       </a:endParaRPr>
@@ -5582,16 +5877,16 @@
                         </a:spcAft>
                       </a:pPr>
                       <a:r>
-                        <a:rPr lang="de-DE" sz="1400" b="0" i="0" u="none" strike="noStrike">
+                        <a:rPr lang="de-DE" sz="1400" b="0" i="0" u="none" strike="noStrike" dirty="0">
                           <a:solidFill>
                             <a:srgbClr val="000000"/>
                           </a:solidFill>
                           <a:effectLst/>
                           <a:latin typeface="Calibri" panose="020F0502020204030204" pitchFamily="34" charset="0"/>
                         </a:rPr>
-                        <a:t>0.0262 (*)</a:t>
+                        <a:t> (*)</a:t>
                       </a:r>
-                      <a:endParaRPr lang="de-DE" sz="2300" b="0" i="0" u="none" strike="noStrike">
+                      <a:endParaRPr lang="de-DE" sz="2300" b="0" i="0" u="none" strike="noStrike" dirty="0">
                         <a:effectLst/>
                         <a:latin typeface="Arial" panose="020B0604020202020204" pitchFamily="34" charset="0"/>
                       </a:endParaRPr>
@@ -5720,16 +6015,16 @@
                         </a:spcAft>
                       </a:pPr>
                       <a:r>
-                        <a:rPr lang="de-DE" sz="1400" b="0" i="0" u="none" strike="noStrike">
+                        <a:rPr lang="de-DE" sz="1400" b="0" i="0" u="none" strike="noStrike" dirty="0">
                           <a:solidFill>
                             <a:srgbClr val="000000"/>
                           </a:solidFill>
                           <a:effectLst/>
                           <a:latin typeface="Calibri" panose="020F0502020204030204" pitchFamily="34" charset="0"/>
                         </a:rPr>
-                        <a:t>0.6949 ()</a:t>
+                        <a:t> ()</a:t>
                       </a:r>
-                      <a:endParaRPr lang="de-DE" sz="2300" b="0" i="0" u="none" strike="noStrike">
+                      <a:endParaRPr lang="de-DE" sz="2300" b="0" i="0" u="none" strike="noStrike" dirty="0">
                         <a:effectLst/>
                         <a:latin typeface="Arial" panose="020B0604020202020204" pitchFamily="34" charset="0"/>
                       </a:endParaRPr>
@@ -5773,16 +6068,16 @@
                         </a:spcAft>
                       </a:pPr>
                       <a:r>
-                        <a:rPr lang="de-DE" sz="1400" b="0" i="0" u="none" strike="noStrike">
+                        <a:rPr lang="de-DE" sz="1400" b="0" i="0" u="none" strike="noStrike" dirty="0">
                           <a:solidFill>
                             <a:srgbClr val="000000"/>
                           </a:solidFill>
                           <a:effectLst/>
                           <a:latin typeface="Calibri" panose="020F0502020204030204" pitchFamily="34" charset="0"/>
                         </a:rPr>
-                        <a:t>0.5653 ()</a:t>
+                        <a:t> ()</a:t>
                       </a:r>
-                      <a:endParaRPr lang="de-DE" sz="2300" b="0" i="0" u="none" strike="noStrike">
+                      <a:endParaRPr lang="de-DE" sz="2300" b="0" i="0" u="none" strike="noStrike" dirty="0">
                         <a:effectLst/>
                         <a:latin typeface="Arial" panose="020B0604020202020204" pitchFamily="34" charset="0"/>
                       </a:endParaRPr>
@@ -5911,16 +6206,16 @@
                         </a:spcAft>
                       </a:pPr>
                       <a:r>
-                        <a:rPr lang="de-DE" sz="1400" b="0" i="0" u="none" strike="noStrike">
+                        <a:rPr lang="de-DE" sz="1400" b="0" i="0" u="none" strike="noStrike" dirty="0">
                           <a:solidFill>
                             <a:srgbClr val="000000"/>
                           </a:solidFill>
                           <a:effectLst/>
                           <a:latin typeface="Calibri" panose="020F0502020204030204" pitchFamily="34" charset="0"/>
                         </a:rPr>
-                        <a:t>0.058 (.)</a:t>
+                        <a:t> (.)</a:t>
                       </a:r>
-                      <a:endParaRPr lang="de-DE" sz="2300" b="0" i="0" u="none" strike="noStrike">
+                      <a:endParaRPr lang="de-DE" sz="2300" b="0" i="0" u="none" strike="noStrike" dirty="0">
                         <a:effectLst/>
                         <a:latin typeface="Arial" panose="020B0604020202020204" pitchFamily="34" charset="0"/>
                       </a:endParaRPr>
@@ -5961,16 +6256,16 @@
                         </a:spcAft>
                       </a:pPr>
                       <a:r>
-                        <a:rPr lang="de-DE" sz="1400" b="0" i="0" u="none" strike="noStrike">
+                        <a:rPr lang="de-DE" sz="1400" b="0" i="0" u="none" strike="noStrike" dirty="0">
                           <a:solidFill>
                             <a:srgbClr val="000000"/>
                           </a:solidFill>
                           <a:effectLst/>
                           <a:latin typeface="Calibri" panose="020F0502020204030204" pitchFamily="34" charset="0"/>
                         </a:rPr>
-                        <a:t>0.3120 ()</a:t>
+                        <a:t> ()</a:t>
                       </a:r>
-                      <a:endParaRPr lang="de-DE" sz="2300" b="0" i="0" u="none" strike="noStrike">
+                      <a:endParaRPr lang="de-DE" sz="2300" b="0" i="0" u="none" strike="noStrike" dirty="0">
                         <a:effectLst/>
                         <a:latin typeface="Arial" panose="020B0604020202020204" pitchFamily="34" charset="0"/>
                       </a:endParaRPr>
@@ -6099,16 +6394,16 @@
                         </a:spcAft>
                       </a:pPr>
                       <a:r>
-                        <a:rPr lang="de-DE" sz="1400" b="0" i="0" u="none" strike="noStrike">
+                        <a:rPr lang="de-DE" sz="1400" b="0" i="0" u="none" strike="noStrike" dirty="0">
                           <a:solidFill>
                             <a:srgbClr val="000000"/>
                           </a:solidFill>
                           <a:effectLst/>
                           <a:latin typeface="Calibri" panose="020F0502020204030204" pitchFamily="34" charset="0"/>
                         </a:rPr>
-                        <a:t>0.0247 (*)</a:t>
+                        <a:t> (*)</a:t>
                       </a:r>
-                      <a:endParaRPr lang="de-DE" sz="2300" b="0" i="0" u="none" strike="noStrike">
+                      <a:endParaRPr lang="de-DE" sz="2300" b="0" i="0" u="none" strike="noStrike" dirty="0">
                         <a:effectLst/>
                         <a:latin typeface="Arial" panose="020B0604020202020204" pitchFamily="34" charset="0"/>
                       </a:endParaRPr>
@@ -6152,16 +6447,16 @@
                         </a:spcAft>
                       </a:pPr>
                       <a:r>
-                        <a:rPr lang="de-DE" sz="1400" b="0" i="0" u="none" strike="noStrike">
+                        <a:rPr lang="de-DE" sz="1400" b="0" i="0" u="none" strike="noStrike" dirty="0">
                           <a:solidFill>
                             <a:srgbClr val="000000"/>
                           </a:solidFill>
                           <a:effectLst/>
                           <a:latin typeface="Calibri" panose="020F0502020204030204" pitchFamily="34" charset="0"/>
                         </a:rPr>
-                        <a:t>0.1024 ()</a:t>
+                        <a:t> ()</a:t>
                       </a:r>
-                      <a:endParaRPr lang="de-DE" sz="2300" b="0" i="0" u="none" strike="noStrike">
+                      <a:endParaRPr lang="de-DE" sz="2300" b="0" i="0" u="none" strike="noStrike" dirty="0">
                         <a:effectLst/>
                         <a:latin typeface="Arial" panose="020B0604020202020204" pitchFamily="34" charset="0"/>
                       </a:endParaRPr>
@@ -6188,404 +6483,6 @@
                 <a:extLst>
                   <a:ext uri="{0D108BD9-81ED-4DB2-BD59-A6C34878D82A}">
                     <a16:rowId xmlns:a16="http://schemas.microsoft.com/office/drawing/2014/main" val="3617282763"/>
-                  </a:ext>
-                </a:extLst>
-              </a:tr>
-              <a:tr h="489277">
-                <a:tc>
-                  <a:txBody>
-                    <a:bodyPr/>
-                    <a:lstStyle/>
-                    <a:p>
-                      <a:pPr algn="l" fontAlgn="b">
-                        <a:spcBef>
-                          <a:spcPts val="0"/>
-                        </a:spcBef>
-                        <a:spcAft>
-                          <a:spcPts val="0"/>
-                        </a:spcAft>
-                      </a:pPr>
-                      <a:r>
-                        <a:rPr lang="de-DE" sz="1400" b="0" i="1" u="none" strike="noStrike">
-                          <a:solidFill>
-                            <a:srgbClr val="7F7F7F"/>
-                          </a:solidFill>
-                          <a:effectLst/>
-                          <a:latin typeface="Calibri" panose="020F0502020204030204" pitchFamily="34" charset="0"/>
-                        </a:rPr>
-                        <a:t>Maßzahlen</a:t>
-                      </a:r>
-                      <a:endParaRPr lang="de-DE" sz="2300" b="0" i="0" u="none" strike="noStrike">
-                        <a:effectLst/>
-                        <a:latin typeface="Arial" panose="020B0604020202020204" pitchFamily="34" charset="0"/>
-                      </a:endParaRPr>
-                    </a:p>
-                  </a:txBody>
-                  <a:tcPr marL="8215" marR="8215" marT="8215" marB="0" anchor="b">
-                    <a:lnL>
-                      <a:noFill/>
-                    </a:lnL>
-                    <a:lnR>
-                      <a:noFill/>
-                    </a:lnR>
-                    <a:lnT>
-                      <a:noFill/>
-                    </a:lnT>
-                    <a:lnB>
-                      <a:noFill/>
-                    </a:lnB>
-                  </a:tcPr>
-                </a:tc>
-                <a:tc>
-                  <a:txBody>
-                    <a:bodyPr/>
-                    <a:lstStyle/>
-                    <a:p>
-                      <a:pPr algn="l" fontAlgn="b">
-                        <a:spcBef>
-                          <a:spcPts val="0"/>
-                        </a:spcBef>
-                        <a:spcAft>
-                          <a:spcPts val="0"/>
-                        </a:spcAft>
-                      </a:pPr>
-                      <a:r>
-                        <a:rPr lang="de-DE" sz="1400" b="0" i="0" u="none" strike="noStrike">
-                          <a:solidFill>
-                            <a:srgbClr val="FFFFFF"/>
-                          </a:solidFill>
-                          <a:effectLst/>
-                          <a:latin typeface="Calibri" panose="020F0502020204030204" pitchFamily="34" charset="0"/>
-                        </a:rPr>
-                        <a:t>Deviance explained</a:t>
-                      </a:r>
-                      <a:endParaRPr lang="de-DE" sz="2300" b="0" i="0" u="none" strike="noStrike">
-                        <a:effectLst/>
-                        <a:latin typeface="Arial" panose="020B0604020202020204" pitchFamily="34" charset="0"/>
-                      </a:endParaRPr>
-                    </a:p>
-                  </a:txBody>
-                  <a:tcPr marL="8215" marR="8215" marT="8215" marB="0" anchor="b">
-                    <a:lnL>
-                      <a:noFill/>
-                    </a:lnL>
-                    <a:lnR w="6350" cap="flat" cmpd="sng" algn="ctr">
-                      <a:solidFill>
-                        <a:srgbClr val="000000"/>
-                      </a:solidFill>
-                      <a:prstDash val="solid"/>
-                      <a:round/>
-                      <a:headEnd type="none" w="med" len="med"/>
-                      <a:tailEnd type="none" w="med" len="med"/>
-                    </a:lnR>
-                    <a:lnT>
-                      <a:noFill/>
-                    </a:lnT>
-                    <a:lnB>
-                      <a:noFill/>
-                    </a:lnB>
-                    <a:solidFill>
-                      <a:srgbClr val="4472C4"/>
-                    </a:solidFill>
-                  </a:tcPr>
-                </a:tc>
-                <a:tc>
-                  <a:txBody>
-                    <a:bodyPr/>
-                    <a:lstStyle/>
-                    <a:p>
-                      <a:pPr algn="r" fontAlgn="b">
-                        <a:spcBef>
-                          <a:spcPts val="0"/>
-                        </a:spcBef>
-                        <a:spcAft>
-                          <a:spcPts val="0"/>
-                        </a:spcAft>
-                      </a:pPr>
-                      <a:r>
-                        <a:rPr lang="de-DE" sz="1400" b="0" i="0" u="none" strike="noStrike">
-                          <a:solidFill>
-                            <a:srgbClr val="FFFFFF"/>
-                          </a:solidFill>
-                          <a:effectLst/>
-                          <a:latin typeface="Calibri" panose="020F0502020204030204" pitchFamily="34" charset="0"/>
-                        </a:rPr>
-                        <a:t>86.9 %</a:t>
-                      </a:r>
-                      <a:endParaRPr lang="de-DE" sz="2300" b="0" i="0" u="none" strike="noStrike">
-                        <a:effectLst/>
-                        <a:latin typeface="Arial" panose="020B0604020202020204" pitchFamily="34" charset="0"/>
-                      </a:endParaRPr>
-                    </a:p>
-                  </a:txBody>
-                  <a:tcPr marL="8215" marR="8215" marT="8215" marB="0" anchor="b">
-                    <a:lnL w="6350" cap="flat" cmpd="sng" algn="ctr">
-                      <a:solidFill>
-                        <a:srgbClr val="000000"/>
-                      </a:solidFill>
-                      <a:prstDash val="solid"/>
-                      <a:round/>
-                      <a:headEnd type="none" w="med" len="med"/>
-                      <a:tailEnd type="none" w="med" len="med"/>
-                    </a:lnL>
-                    <a:lnR>
-                      <a:noFill/>
-                    </a:lnR>
-                    <a:lnT>
-                      <a:noFill/>
-                    </a:lnT>
-                    <a:lnB>
-                      <a:noFill/>
-                    </a:lnB>
-                    <a:solidFill>
-                      <a:srgbClr val="4472C4"/>
-                    </a:solidFill>
-                  </a:tcPr>
-                </a:tc>
-                <a:tc>
-                  <a:txBody>
-                    <a:bodyPr/>
-                    <a:lstStyle/>
-                    <a:p>
-                      <a:pPr algn="r" fontAlgn="b">
-                        <a:spcBef>
-                          <a:spcPts val="0"/>
-                        </a:spcBef>
-                        <a:spcAft>
-                          <a:spcPts val="0"/>
-                        </a:spcAft>
-                      </a:pPr>
-                      <a:r>
-                        <a:rPr lang="de-DE" sz="1400" b="0" i="0" u="none" strike="noStrike">
-                          <a:solidFill>
-                            <a:srgbClr val="FFFFFF"/>
-                          </a:solidFill>
-                          <a:effectLst/>
-                          <a:latin typeface="Calibri" panose="020F0502020204030204" pitchFamily="34" charset="0"/>
-                        </a:rPr>
-                        <a:t>82.9%</a:t>
-                      </a:r>
-                      <a:endParaRPr lang="de-DE" sz="2300" b="0" i="0" u="none" strike="noStrike">
-                        <a:effectLst/>
-                        <a:latin typeface="Arial" panose="020B0604020202020204" pitchFamily="34" charset="0"/>
-                      </a:endParaRPr>
-                    </a:p>
-                  </a:txBody>
-                  <a:tcPr marL="8215" marR="8215" marT="8215" marB="0" anchor="b">
-                    <a:lnL>
-                      <a:noFill/>
-                    </a:lnL>
-                    <a:lnR>
-                      <a:noFill/>
-                    </a:lnR>
-                    <a:lnT>
-                      <a:noFill/>
-                    </a:lnT>
-                    <a:lnB>
-                      <a:noFill/>
-                    </a:lnB>
-                    <a:solidFill>
-                      <a:srgbClr val="4472C4"/>
-                    </a:solidFill>
-                  </a:tcPr>
-                </a:tc>
-                <a:extLst>
-                  <a:ext uri="{0D108BD9-81ED-4DB2-BD59-A6C34878D82A}">
-                    <a16:rowId xmlns:a16="http://schemas.microsoft.com/office/drawing/2014/main" val="1208021506"/>
-                  </a:ext>
-                </a:extLst>
-              </a:tr>
-              <a:tr h="272405">
-                <a:tc>
-                  <a:txBody>
-                    <a:bodyPr/>
-                    <a:lstStyle/>
-                    <a:p>
-                      <a:pPr algn="l" fontAlgn="b">
-                        <a:spcBef>
-                          <a:spcPts val="0"/>
-                        </a:spcBef>
-                        <a:spcAft>
-                          <a:spcPts val="0"/>
-                        </a:spcAft>
-                      </a:pPr>
-                      <a:endParaRPr lang="de-DE" sz="2300" b="0" i="0" u="none" strike="noStrike">
-                        <a:effectLst/>
-                        <a:latin typeface="Arial" panose="020B0604020202020204" pitchFamily="34" charset="0"/>
-                      </a:endParaRPr>
-                    </a:p>
-                  </a:txBody>
-                  <a:tcPr marL="8215" marR="8215" marT="8215" marB="0" anchor="b">
-                    <a:lnL>
-                      <a:noFill/>
-                    </a:lnL>
-                    <a:lnR>
-                      <a:noFill/>
-                    </a:lnR>
-                    <a:lnT>
-                      <a:noFill/>
-                    </a:lnT>
-                    <a:lnB>
-                      <a:noFill/>
-                    </a:lnB>
-                  </a:tcPr>
-                </a:tc>
-                <a:tc>
-                  <a:txBody>
-                    <a:bodyPr/>
-                    <a:lstStyle/>
-                    <a:p>
-                      <a:pPr algn="l" fontAlgn="b">
-                        <a:spcBef>
-                          <a:spcPts val="0"/>
-                        </a:spcBef>
-                        <a:spcAft>
-                          <a:spcPts val="0"/>
-                        </a:spcAft>
-                      </a:pPr>
-                      <a:r>
-                        <a:rPr lang="de-DE" sz="1400" b="0" i="0" u="none" strike="noStrike">
-                          <a:solidFill>
-                            <a:srgbClr val="FFFFFF"/>
-                          </a:solidFill>
-                          <a:effectLst/>
-                          <a:latin typeface="Calibri" panose="020F0502020204030204" pitchFamily="34" charset="0"/>
-                        </a:rPr>
-                        <a:t>AIC</a:t>
-                      </a:r>
-                      <a:endParaRPr lang="de-DE" sz="2300" b="0" i="0" u="none" strike="noStrike">
-                        <a:effectLst/>
-                        <a:latin typeface="Arial" panose="020B0604020202020204" pitchFamily="34" charset="0"/>
-                      </a:endParaRPr>
-                    </a:p>
-                  </a:txBody>
-                  <a:tcPr marL="8215" marR="8215" marT="8215" marB="0" anchor="b">
-                    <a:lnL>
-                      <a:noFill/>
-                    </a:lnL>
-                    <a:lnR w="6350" cap="flat" cmpd="sng" algn="ctr">
-                      <a:solidFill>
-                        <a:srgbClr val="000000"/>
-                      </a:solidFill>
-                      <a:prstDash val="solid"/>
-                      <a:round/>
-                      <a:headEnd type="none" w="med" len="med"/>
-                      <a:tailEnd type="none" w="med" len="med"/>
-                    </a:lnR>
-                    <a:lnT>
-                      <a:noFill/>
-                    </a:lnT>
-                    <a:lnB>
-                      <a:noFill/>
-                    </a:lnB>
-                    <a:solidFill>
-                      <a:srgbClr val="4472C4"/>
-                    </a:solidFill>
-                  </a:tcPr>
-                </a:tc>
-                <a:tc>
-                  <a:txBody>
-                    <a:bodyPr/>
-                    <a:lstStyle/>
-                    <a:p>
-                      <a:pPr algn="r" fontAlgn="b">
-                        <a:spcBef>
-                          <a:spcPts val="0"/>
-                        </a:spcBef>
-                        <a:spcAft>
-                          <a:spcPts val="0"/>
-                        </a:spcAft>
-                      </a:pPr>
-                      <a:r>
-                        <a:rPr lang="de-DE" sz="1400" b="0" i="0" u="none" strike="noStrike">
-                          <a:solidFill>
-                            <a:srgbClr val="FFFFFF"/>
-                          </a:solidFill>
-                          <a:effectLst/>
-                          <a:latin typeface="Calibri" panose="020F0502020204030204" pitchFamily="34" charset="0"/>
-                        </a:rPr>
-                        <a:t>913</a:t>
-                      </a:r>
-                      <a:endParaRPr lang="de-DE" sz="2300" b="0" i="0" u="none" strike="noStrike">
-                        <a:effectLst/>
-                        <a:latin typeface="Arial" panose="020B0604020202020204" pitchFamily="34" charset="0"/>
-                      </a:endParaRPr>
-                    </a:p>
-                  </a:txBody>
-                  <a:tcPr marL="8215" marR="8215" marT="8215" marB="0" anchor="b">
-                    <a:lnL w="6350" cap="flat" cmpd="sng" algn="ctr">
-                      <a:solidFill>
-                        <a:srgbClr val="000000"/>
-                      </a:solidFill>
-                      <a:prstDash val="solid"/>
-                      <a:round/>
-                      <a:headEnd type="none" w="med" len="med"/>
-                      <a:tailEnd type="none" w="med" len="med"/>
-                    </a:lnL>
-                    <a:lnR>
-                      <a:noFill/>
-                    </a:lnR>
-                    <a:lnT>
-                      <a:noFill/>
-                    </a:lnT>
-                    <a:lnB>
-                      <a:noFill/>
-                    </a:lnB>
-                    <a:solidFill>
-                      <a:srgbClr val="4472C4"/>
-                    </a:solidFill>
-                  </a:tcPr>
-                </a:tc>
-                <a:tc>
-                  <a:txBody>
-                    <a:bodyPr/>
-                    <a:lstStyle/>
-                    <a:p>
-                      <a:pPr algn="r" fontAlgn="b">
-                        <a:spcBef>
-                          <a:spcPts val="0"/>
-                        </a:spcBef>
-                        <a:spcAft>
-                          <a:spcPts val="0"/>
-                        </a:spcAft>
-                      </a:pPr>
-                      <a:r>
-                        <a:rPr lang="de-DE" sz="1400" b="0" i="0" u="none" strike="noStrike" dirty="0">
-                          <a:solidFill>
-                            <a:srgbClr val="FFFFFF"/>
-                          </a:solidFill>
-                          <a:effectLst/>
-                          <a:latin typeface="Calibri" panose="020F0502020204030204" pitchFamily="34" charset="0"/>
-                        </a:rPr>
-                        <a:t>1017</a:t>
-                      </a:r>
-                      <a:endParaRPr lang="de-DE" sz="2300" b="0" i="0" u="none" strike="noStrike" dirty="0">
-                        <a:effectLst/>
-                        <a:latin typeface="Arial" panose="020B0604020202020204" pitchFamily="34" charset="0"/>
-                      </a:endParaRPr>
-                    </a:p>
-                  </a:txBody>
-                  <a:tcPr marL="8215" marR="8215" marT="8215" marB="0" anchor="b">
-                    <a:lnL>
-                      <a:noFill/>
-                    </a:lnL>
-                    <a:lnR>
-                      <a:noFill/>
-                    </a:lnR>
-                    <a:lnT>
-                      <a:noFill/>
-                    </a:lnT>
-                    <a:lnB>
-                      <a:noFill/>
-                    </a:lnB>
-                    <a:solidFill>
-                      <a:srgbClr val="4472C4"/>
-                    </a:solidFill>
-                  </a:tcPr>
-                </a:tc>
-                <a:extLst>
-                  <a:ext uri="{0D108BD9-81ED-4DB2-BD59-A6C34878D82A}">
-                    <a16:rowId xmlns:a16="http://schemas.microsoft.com/office/drawing/2014/main" val="281545606"/>
                   </a:ext>
                 </a:extLst>
               </a:tr>
@@ -7383,6 +7280,14 @@
 <file path=ppt/slides/slide7.xml><?xml version="1.0" encoding="utf-8"?>
 <p:sld xmlns:a="http://schemas.openxmlformats.org/drawingml/2006/main" xmlns:r="http://schemas.openxmlformats.org/officeDocument/2006/relationships" xmlns:p="http://schemas.openxmlformats.org/presentationml/2006/main">
   <p:cSld>
+    <p:bg>
+      <p:bgPr>
+        <a:solidFill>
+          <a:schemeClr val="accent2"/>
+        </a:solidFill>
+        <a:effectLst/>
+      </p:bgPr>
+    </p:bg>
     <p:spTree>
       <p:nvGrpSpPr>
         <p:cNvPr id="1" name=""/>
@@ -7413,13 +7318,20 @@
             <p:ph type="title"/>
           </p:nvPr>
         </p:nvSpPr>
-        <p:spPr/>
-        <p:txBody>
-          <a:bodyPr/>
+        <p:spPr>
+          <a:xfrm>
+            <a:off x="804672" y="2404872"/>
+            <a:ext cx="3044950" cy="1627792"/>
+          </a:xfrm>
+        </p:spPr>
+        <p:txBody>
+          <a:bodyPr vert="horz" lIns="274320" tIns="182880" rIns="274320" bIns="182880" rtlCol="0" anchor="ctr" anchorCtr="1">
+            <a:normAutofit/>
+          </a:bodyPr>
           <a:lstStyle/>
           <a:p>
             <a:r>
-              <a:rPr lang="de-DE" dirty="0"/>
+              <a:rPr lang="en-US" sz="2600"/>
               <a:t>Abweichung vom Normalwert</a:t>
             </a:r>
           </a:p>
@@ -7427,47 +7339,98 @@
       </p:sp>
       <p:sp>
         <p:nvSpPr>
-          <p:cNvPr id="3" name="Bildplatzhalter 2">
+          <p:cNvPr id="40" name="Rectangle 39">
             <a:extLst>
               <a:ext uri="{FF2B5EF4-FFF2-40B4-BE49-F238E27FC236}">
-                <a16:creationId xmlns:a16="http://schemas.microsoft.com/office/drawing/2014/main" id="{A23C3C7C-0FE0-46B0-BBF9-B1D4D96D21F9}"/>
+                <a16:creationId xmlns:a16="http://schemas.microsoft.com/office/drawing/2014/main" id="{ED6F0A31-5407-4EFA-9DFA-67E942682962}"/>
+              </a:ext>
+              <a:ext uri="{C183D7F6-B498-43B3-948B-1728B52AA6E4}">
+                <adec:decorative xmlns:adec="http://schemas.microsoft.com/office/drawing/2017/decorative" val="1"/>
               </a:ext>
             </a:extLst>
           </p:cNvPr>
           <p:cNvSpPr>
-            <a:spLocks noGrp="1"/>
-          </p:cNvSpPr>
-          <p:nvPr>
-            <p:ph type="pic" idx="1"/>
-          </p:nvPr>
-        </p:nvSpPr>
-        <p:spPr/>
-      </p:sp>
-      <p:sp>
-        <p:nvSpPr>
-          <p:cNvPr id="4" name="Textplatzhalter 3">
+            <a:spLocks noGrp="1" noRot="1" noChangeAspect="1" noMove="1" noResize="1" noEditPoints="1" noAdjustHandles="1" noChangeArrowheads="1" noChangeShapeType="1" noTextEdit="1"/>
+          </p:cNvSpPr>
+          <p:nvPr>
+            <p:extLst>
+              <p:ext uri="{386F3935-93C4-4BCD-93E2-E3B085C9AB24}">
+                <p16:designElem xmlns:p16="http://schemas.microsoft.com/office/powerpoint/2015/main" val="1"/>
+              </p:ext>
+            </p:extLst>
+          </p:nvPr>
+        </p:nvSpPr>
+        <p:spPr>
+          <a:xfrm>
+            <a:off x="4654296" y="0"/>
+            <a:ext cx="7537703" cy="6858000"/>
+          </a:xfrm>
+          <a:prstGeom prst="rect">
+            <a:avLst/>
+          </a:prstGeom>
+          <a:solidFill>
+            <a:srgbClr val="FFFFFF"/>
+          </a:solidFill>
+          <a:ln>
+            <a:noFill/>
+          </a:ln>
+        </p:spPr>
+        <p:style>
+          <a:lnRef idx="2">
+            <a:schemeClr val="accent1">
+              <a:shade val="50000"/>
+            </a:schemeClr>
+          </a:lnRef>
+          <a:fillRef idx="1">
+            <a:schemeClr val="accent1"/>
+          </a:fillRef>
+          <a:effectRef idx="0">
+            <a:schemeClr val="accent1"/>
+          </a:effectRef>
+          <a:fontRef idx="minor">
+            <a:schemeClr val="lt1"/>
+          </a:fontRef>
+        </p:style>
+        <p:txBody>
+          <a:bodyPr rtlCol="0" anchor="ctr"/>
+          <a:lstStyle/>
+          <a:p>
+            <a:pPr algn="ctr"/>
+            <a:endParaRPr lang="en-US"/>
+          </a:p>
+        </p:txBody>
+      </p:sp>
+      <p:pic>
+        <p:nvPicPr>
+          <p:cNvPr id="20" name="Bildplatzhalter 19" descr="Ein Bild, das Text, Karte enthält.&#10;&#10;Automatisch generierte Beschreibung">
             <a:extLst>
               <a:ext uri="{FF2B5EF4-FFF2-40B4-BE49-F238E27FC236}">
-                <a16:creationId xmlns:a16="http://schemas.microsoft.com/office/drawing/2014/main" id="{0D26A1E2-395F-4BEF-B7E2-4D7A52A5849E}"/>
+                <a16:creationId xmlns:a16="http://schemas.microsoft.com/office/drawing/2014/main" id="{89613E34-9896-405C-863E-A6795F77CDDC}"/>
               </a:ext>
             </a:extLst>
           </p:cNvPr>
-          <p:cNvSpPr>
-            <a:spLocks noGrp="1"/>
-          </p:cNvSpPr>
-          <p:nvPr>
-            <p:ph type="body" sz="half" idx="2"/>
-          </p:nvPr>
-        </p:nvSpPr>
-        <p:spPr/>
-        <p:txBody>
-          <a:bodyPr/>
-          <a:lstStyle/>
-          <a:p>
-            <a:endParaRPr lang="de-DE" dirty="0"/>
-          </a:p>
-        </p:txBody>
-      </p:sp>
+          <p:cNvPicPr>
+            <a:picLocks noGrp="1" noChangeAspect="1"/>
+          </p:cNvPicPr>
+          <p:nvPr>
+            <p:ph type="pic" idx="1"/>
+          </p:nvPr>
+        </p:nvPicPr>
+        <p:blipFill rotWithShape="1">
+          <a:blip r:embed="rId2"/>
+          <a:srcRect l="134" r="1275"/>
+          <a:stretch/>
+        </p:blipFill>
+        <p:spPr>
+          <a:xfrm>
+            <a:off x="4890316" y="1590426"/>
+            <a:ext cx="6824164" cy="3677148"/>
+          </a:xfrm>
+          <a:prstGeom prst="rect">
+            <a:avLst/>
+          </a:prstGeom>
+        </p:spPr>
+      </p:pic>
     </p:spTree>
     <p:extLst>
       <p:ext uri="{BB962C8B-B14F-4D97-AF65-F5344CB8AC3E}">
@@ -7484,6 +7447,14 @@
 <file path=ppt/slides/slide8.xml><?xml version="1.0" encoding="utf-8"?>
 <p:sld xmlns:a="http://schemas.openxmlformats.org/drawingml/2006/main" xmlns:r="http://schemas.openxmlformats.org/officeDocument/2006/relationships" xmlns:p="http://schemas.openxmlformats.org/presentationml/2006/main">
   <p:cSld>
+    <p:bg>
+      <p:bgPr>
+        <a:solidFill>
+          <a:schemeClr val="accent2"/>
+        </a:solidFill>
+        <a:effectLst/>
+      </p:bgPr>
+    </p:bg>
     <p:spTree>
       <p:nvGrpSpPr>
         <p:cNvPr id="1" name=""/>
@@ -7514,13 +7485,20 @@
             <p:ph type="title"/>
           </p:nvPr>
         </p:nvSpPr>
-        <p:spPr/>
-        <p:txBody>
-          <a:bodyPr/>
+        <p:spPr>
+          <a:xfrm>
+            <a:off x="804672" y="2404872"/>
+            <a:ext cx="3044950" cy="1627792"/>
+          </a:xfrm>
+        </p:spPr>
+        <p:txBody>
+          <a:bodyPr vert="horz" lIns="274320" tIns="182880" rIns="274320" bIns="182880" rtlCol="0" anchor="ctr" anchorCtr="1">
+            <a:normAutofit/>
+          </a:bodyPr>
           <a:lstStyle/>
           <a:p>
             <a:r>
-              <a:rPr lang="de-DE" dirty="0"/>
+              <a:rPr lang="en-US" sz="2800"/>
               <a:t>Prozent vom Maximum</a:t>
             </a:r>
           </a:p>
@@ -7528,47 +7506,98 @@
       </p:sp>
       <p:sp>
         <p:nvSpPr>
-          <p:cNvPr id="3" name="Bildplatzhalter 2">
+          <p:cNvPr id="33" name="Rectangle 30">
             <a:extLst>
               <a:ext uri="{FF2B5EF4-FFF2-40B4-BE49-F238E27FC236}">
-                <a16:creationId xmlns:a16="http://schemas.microsoft.com/office/drawing/2014/main" id="{B68275F1-C393-4DAB-8A2A-4D2A6595D75E}"/>
+                <a16:creationId xmlns:a16="http://schemas.microsoft.com/office/drawing/2014/main" id="{ED6F0A31-5407-4EFA-9DFA-67E942682962}"/>
+              </a:ext>
+              <a:ext uri="{C183D7F6-B498-43B3-948B-1728B52AA6E4}">
+                <adec:decorative xmlns:adec="http://schemas.microsoft.com/office/drawing/2017/decorative" val="1"/>
               </a:ext>
             </a:extLst>
           </p:cNvPr>
           <p:cNvSpPr>
-            <a:spLocks noGrp="1"/>
-          </p:cNvSpPr>
-          <p:nvPr>
-            <p:ph type="pic" idx="1"/>
-          </p:nvPr>
-        </p:nvSpPr>
-        <p:spPr/>
-      </p:sp>
-      <p:sp>
-        <p:nvSpPr>
-          <p:cNvPr id="4" name="Textplatzhalter 3">
+            <a:spLocks noGrp="1" noRot="1" noChangeAspect="1" noMove="1" noResize="1" noEditPoints="1" noAdjustHandles="1" noChangeArrowheads="1" noChangeShapeType="1" noTextEdit="1"/>
+          </p:cNvSpPr>
+          <p:nvPr>
+            <p:extLst>
+              <p:ext uri="{386F3935-93C4-4BCD-93E2-E3B085C9AB24}">
+                <p16:designElem xmlns:p16="http://schemas.microsoft.com/office/powerpoint/2015/main" val="1"/>
+              </p:ext>
+            </p:extLst>
+          </p:nvPr>
+        </p:nvSpPr>
+        <p:spPr>
+          <a:xfrm>
+            <a:off x="4654296" y="0"/>
+            <a:ext cx="7537703" cy="6858000"/>
+          </a:xfrm>
+          <a:prstGeom prst="rect">
+            <a:avLst/>
+          </a:prstGeom>
+          <a:solidFill>
+            <a:srgbClr val="FFFFFF"/>
+          </a:solidFill>
+          <a:ln>
+            <a:noFill/>
+          </a:ln>
+        </p:spPr>
+        <p:style>
+          <a:lnRef idx="2">
+            <a:schemeClr val="accent1">
+              <a:shade val="50000"/>
+            </a:schemeClr>
+          </a:lnRef>
+          <a:fillRef idx="1">
+            <a:schemeClr val="accent1"/>
+          </a:fillRef>
+          <a:effectRef idx="0">
+            <a:schemeClr val="accent1"/>
+          </a:effectRef>
+          <a:fontRef idx="minor">
+            <a:schemeClr val="lt1"/>
+          </a:fontRef>
+        </p:style>
+        <p:txBody>
+          <a:bodyPr rtlCol="0" anchor="ctr"/>
+          <a:lstStyle/>
+          <a:p>
+            <a:pPr algn="ctr"/>
+            <a:endParaRPr lang="en-US"/>
+          </a:p>
+        </p:txBody>
+      </p:sp>
+      <p:pic>
+        <p:nvPicPr>
+          <p:cNvPr id="9" name="Bildplatzhalter 8" descr="Ein Bild, das Text, Karte enthält.&#10;&#10;Automatisch generierte Beschreibung">
             <a:extLst>
               <a:ext uri="{FF2B5EF4-FFF2-40B4-BE49-F238E27FC236}">
-                <a16:creationId xmlns:a16="http://schemas.microsoft.com/office/drawing/2014/main" id="{912A42DB-1C31-4A97-A35F-78018E56BE26}"/>
+                <a16:creationId xmlns:a16="http://schemas.microsoft.com/office/drawing/2014/main" id="{750F56C4-BD17-490E-B134-53B6FAC86FBB}"/>
               </a:ext>
             </a:extLst>
           </p:cNvPr>
-          <p:cNvSpPr>
-            <a:spLocks noGrp="1"/>
-          </p:cNvSpPr>
-          <p:nvPr>
-            <p:ph type="body" sz="half" idx="2"/>
-          </p:nvPr>
-        </p:nvSpPr>
-        <p:spPr/>
-        <p:txBody>
-          <a:bodyPr/>
-          <a:lstStyle/>
-          <a:p>
-            <a:endParaRPr lang="de-DE"/>
-          </a:p>
-        </p:txBody>
-      </p:sp>
+          <p:cNvPicPr>
+            <a:picLocks noGrp="1" noChangeAspect="1"/>
+          </p:cNvPicPr>
+          <p:nvPr>
+            <p:ph type="pic" idx="1"/>
+          </p:nvPr>
+        </p:nvPicPr>
+        <p:blipFill rotWithShape="1">
+          <a:blip r:embed="rId2"/>
+          <a:srcRect r="5119" b="18"/>
+          <a:stretch/>
+        </p:blipFill>
+        <p:spPr>
+          <a:xfrm>
+            <a:off x="4856480" y="1004564"/>
+            <a:ext cx="6685280" cy="4848872"/>
+          </a:xfrm>
+          <a:prstGeom prst="rect">
+            <a:avLst/>
+          </a:prstGeom>
+        </p:spPr>
+      </p:pic>
     </p:spTree>
     <p:extLst>
       <p:ext uri="{BB962C8B-B14F-4D97-AF65-F5344CB8AC3E}">

--- a/Organisatorisches/LVS-IR-Taubenstein.pptx
+++ b/Organisatorisches/LVS-IR-Taubenstein.pptx
@@ -11,11 +11,12 @@
     <p:sldId id="260" r:id="rId5"/>
     <p:sldId id="261" r:id="rId6"/>
     <p:sldId id="262" r:id="rId7"/>
-    <p:sldId id="263" r:id="rId8"/>
-    <p:sldId id="264" r:id="rId9"/>
-    <p:sldId id="265" r:id="rId10"/>
-    <p:sldId id="266" r:id="rId11"/>
-    <p:sldId id="267" r:id="rId12"/>
+    <p:sldId id="268" r:id="rId8"/>
+    <p:sldId id="263" r:id="rId9"/>
+    <p:sldId id="264" r:id="rId10"/>
+    <p:sldId id="265" r:id="rId11"/>
+    <p:sldId id="266" r:id="rId12"/>
+    <p:sldId id="267" r:id="rId13"/>
   </p:sldIdLst>
   <p:sldSz cx="12192000" cy="6858000"/>
   <p:notesSz cx="6858000" cy="9144000"/>
@@ -125,7 +126,7 @@
 <file path=ppt/revisionInfo.xml><?xml version="1.0" encoding="utf-8"?>
 <p1510:revInfo xmlns:a="http://schemas.openxmlformats.org/drawingml/2006/main" xmlns:r="http://schemas.openxmlformats.org/officeDocument/2006/relationships" xmlns:p1510="http://schemas.microsoft.com/office/powerpoint/2015/10/main">
   <p1510:revLst>
-    <p1510:client id="{495477B4-C613-4D07-BDB7-E23D159D9F6B}" v="56" dt="2020-05-05T08:35:51.600"/>
+    <p1510:client id="{495477B4-C613-4D07-BDB7-E23D159D9F6B}" v="58" dt="2020-05-05T09:16:17.834"/>
   </p1510:revLst>
 </p1510:revInfo>
 </file>
@@ -135,7 +136,7 @@
   <pc:docChgLst>
     <pc:chgData name="Lea Vanheyden" userId="0ebe8cb9b4dd81cf" providerId="LiveId" clId="{495477B4-C613-4D07-BDB7-E23D159D9F6B}"/>
     <pc:docChg chg="undo custSel mod addSld delSld modSld">
-      <pc:chgData name="Lea Vanheyden" userId="0ebe8cb9b4dd81cf" providerId="LiveId" clId="{495477B4-C613-4D07-BDB7-E23D159D9F6B}" dt="2020-05-05T09:01:10.547" v="1728" actId="1076"/>
+      <pc:chgData name="Lea Vanheyden" userId="0ebe8cb9b4dd81cf" providerId="LiveId" clId="{495477B4-C613-4D07-BDB7-E23D159D9F6B}" dt="2020-05-05T09:16:48.160" v="1763" actId="14100"/>
       <pc:docMkLst>
         <pc:docMk/>
       </pc:docMkLst>
@@ -766,6 +767,53 @@
           </ac:graphicFrameMkLst>
         </pc:graphicFrameChg>
       </pc:sldChg>
+      <pc:sldChg chg="addSp delSp modSp add mod setBg">
+        <pc:chgData name="Lea Vanheyden" userId="0ebe8cb9b4dd81cf" providerId="LiveId" clId="{495477B4-C613-4D07-BDB7-E23D159D9F6B}" dt="2020-05-05T09:16:48.160" v="1763" actId="14100"/>
+        <pc:sldMkLst>
+          <pc:docMk/>
+          <pc:sldMk cId="1824650089" sldId="268"/>
+        </pc:sldMkLst>
+        <pc:spChg chg="mod">
+          <ac:chgData name="Lea Vanheyden" userId="0ebe8cb9b4dd81cf" providerId="LiveId" clId="{495477B4-C613-4D07-BDB7-E23D159D9F6B}" dt="2020-05-05T09:16:20.494" v="1757" actId="26606"/>
+          <ac:spMkLst>
+            <pc:docMk/>
+            <pc:sldMk cId="1824650089" sldId="268"/>
+            <ac:spMk id="2" creationId="{910569BD-00C3-4809-90E8-C0140F04065D}"/>
+          </ac:spMkLst>
+        </pc:spChg>
+        <pc:spChg chg="del">
+          <ac:chgData name="Lea Vanheyden" userId="0ebe8cb9b4dd81cf" providerId="LiveId" clId="{495477B4-C613-4D07-BDB7-E23D159D9F6B}" dt="2020-05-05T09:16:17.833" v="1754" actId="931"/>
+          <ac:spMkLst>
+            <pc:docMk/>
+            <pc:sldMk cId="1824650089" sldId="268"/>
+            <ac:spMk id="3" creationId="{5C484941-EE3B-4015-8CD3-A4A013095428}"/>
+          </ac:spMkLst>
+        </pc:spChg>
+        <pc:spChg chg="add del">
+          <ac:chgData name="Lea Vanheyden" userId="0ebe8cb9b4dd81cf" providerId="LiveId" clId="{495477B4-C613-4D07-BDB7-E23D159D9F6B}" dt="2020-05-05T09:16:36.955" v="1760" actId="26606"/>
+          <ac:spMkLst>
+            <pc:docMk/>
+            <pc:sldMk cId="1824650089" sldId="268"/>
+            <ac:spMk id="11" creationId="{ED6F0A31-5407-4EFA-9DFA-67E942682962}"/>
+          </ac:spMkLst>
+        </pc:spChg>
+        <pc:spChg chg="add">
+          <ac:chgData name="Lea Vanheyden" userId="0ebe8cb9b4dd81cf" providerId="LiveId" clId="{495477B4-C613-4D07-BDB7-E23D159D9F6B}" dt="2020-05-05T09:16:36.955" v="1760" actId="26606"/>
+          <ac:spMkLst>
+            <pc:docMk/>
+            <pc:sldMk cId="1824650089" sldId="268"/>
+            <ac:spMk id="16" creationId="{ED6F0A31-5407-4EFA-9DFA-67E942682962}"/>
+          </ac:spMkLst>
+        </pc:spChg>
+        <pc:picChg chg="add mod modCrop">
+          <ac:chgData name="Lea Vanheyden" userId="0ebe8cb9b4dd81cf" providerId="LiveId" clId="{495477B4-C613-4D07-BDB7-E23D159D9F6B}" dt="2020-05-05T09:16:48.160" v="1763" actId="14100"/>
+          <ac:picMkLst>
+            <pc:docMk/>
+            <pc:sldMk cId="1824650089" sldId="268"/>
+            <ac:picMk id="6" creationId="{BF0D4C4F-3973-403A-9336-914DA346C8A5}"/>
+          </ac:picMkLst>
+        </pc:picChg>
+      </pc:sldChg>
       <pc:sldChg chg="modSp add del">
         <pc:chgData name="Lea Vanheyden" userId="0ebe8cb9b4dd81cf" providerId="LiveId" clId="{495477B4-C613-4D07-BDB7-E23D159D9F6B}" dt="2020-05-02T10:02:32.678" v="1574" actId="2696"/>
         <pc:sldMkLst>
@@ -4092,6 +4140,125 @@
           <p:cNvPr id="2" name="Titel 1">
             <a:extLst>
               <a:ext uri="{FF2B5EF4-FFF2-40B4-BE49-F238E27FC236}">
+                <a16:creationId xmlns:a16="http://schemas.microsoft.com/office/drawing/2014/main" id="{0C6ACE98-289A-4B56-B373-9411C721F085}"/>
+              </a:ext>
+            </a:extLst>
+          </p:cNvPr>
+          <p:cNvSpPr>
+            <a:spLocks noGrp="1"/>
+          </p:cNvSpPr>
+          <p:nvPr>
+            <p:ph type="title"/>
+          </p:nvPr>
+        </p:nvSpPr>
+        <p:spPr/>
+        <p:txBody>
+          <a:bodyPr/>
+          <a:lstStyle/>
+          <a:p>
+            <a:r>
+              <a:rPr lang="de-DE" dirty="0"/>
+              <a:t>Szenarien</a:t>
+            </a:r>
+          </a:p>
+        </p:txBody>
+      </p:sp>
+      <p:sp>
+        <p:nvSpPr>
+          <p:cNvPr id="3" name="Inhaltsplatzhalter 2">
+            <a:extLst>
+              <a:ext uri="{FF2B5EF4-FFF2-40B4-BE49-F238E27FC236}">
+                <a16:creationId xmlns:a16="http://schemas.microsoft.com/office/drawing/2014/main" id="{22CA4C96-7AF5-4E95-AF81-029CFCF557FB}"/>
+              </a:ext>
+            </a:extLst>
+          </p:cNvPr>
+          <p:cNvSpPr>
+            <a:spLocks noGrp="1"/>
+          </p:cNvSpPr>
+          <p:nvPr>
+            <p:ph idx="1"/>
+          </p:nvPr>
+        </p:nvSpPr>
+        <p:spPr/>
+        <p:txBody>
+          <a:bodyPr/>
+          <a:lstStyle/>
+          <a:p>
+            <a:r>
+              <a:rPr lang="de-DE" dirty="0"/>
+              <a:t>These: z.B. generell werden 20 % nicht erfasst</a:t>
+            </a:r>
+          </a:p>
+          <a:p>
+            <a:r>
+              <a:rPr lang="de-DE" dirty="0"/>
+              <a:t>Neuen Datensatz mit mehr Daten erzeugen</a:t>
+            </a:r>
+          </a:p>
+          <a:p>
+            <a:r>
+              <a:rPr lang="de-DE" dirty="0"/>
+              <a:t>Datums- und Tages-modell mit diesem Datensatz rechnen</a:t>
+            </a:r>
+          </a:p>
+          <a:p>
+            <a:r>
+              <a:rPr lang="de-DE" dirty="0"/>
+              <a:t>Verändert sich etwas?</a:t>
+            </a:r>
+          </a:p>
+          <a:p>
+            <a:endParaRPr lang="de-DE" dirty="0"/>
+          </a:p>
+          <a:p>
+            <a:r>
+              <a:rPr lang="de-DE" dirty="0"/>
+              <a:t>Keine Validierung der These möglich!</a:t>
+            </a:r>
+          </a:p>
+          <a:p>
+            <a:r>
+              <a:rPr lang="de-DE" dirty="0"/>
+              <a:t>Nur: Was wäre wenn…</a:t>
+            </a:r>
+          </a:p>
+        </p:txBody>
+      </p:sp>
+    </p:spTree>
+    <p:extLst>
+      <p:ext uri="{BB962C8B-B14F-4D97-AF65-F5344CB8AC3E}">
+        <p14:creationId xmlns:p14="http://schemas.microsoft.com/office/powerpoint/2010/main" val="2377716672"/>
+      </p:ext>
+    </p:extLst>
+  </p:cSld>
+  <p:clrMapOvr>
+    <a:masterClrMapping/>
+  </p:clrMapOvr>
+</p:sld>
+</file>
+
+<file path=ppt/slides/slide11.xml><?xml version="1.0" encoding="utf-8"?>
+<p:sld xmlns:a="http://schemas.openxmlformats.org/drawingml/2006/main" xmlns:r="http://schemas.openxmlformats.org/officeDocument/2006/relationships" xmlns:p="http://schemas.openxmlformats.org/presentationml/2006/main">
+  <p:cSld>
+    <p:spTree>
+      <p:nvGrpSpPr>
+        <p:cNvPr id="1" name=""/>
+        <p:cNvGrpSpPr/>
+        <p:nvPr/>
+      </p:nvGrpSpPr>
+      <p:grpSpPr>
+        <a:xfrm>
+          <a:off x="0" y="0"/>
+          <a:ext cx="0" cy="0"/>
+          <a:chOff x="0" y="0"/>
+          <a:chExt cx="0" cy="0"/>
+        </a:xfrm>
+      </p:grpSpPr>
+      <p:sp>
+        <p:nvSpPr>
+          <p:cNvPr id="2" name="Titel 1">
+            <a:extLst>
+              <a:ext uri="{FF2B5EF4-FFF2-40B4-BE49-F238E27FC236}">
                 <a16:creationId xmlns:a16="http://schemas.microsoft.com/office/drawing/2014/main" id="{282A2537-1D7F-4BD8-A421-79091B39A12A}"/>
               </a:ext>
             </a:extLst>
@@ -4335,7 +4502,7 @@
 </p:sld>
 </file>
 
-<file path=ppt/slides/slide11.xml><?xml version="1.0" encoding="utf-8"?>
+<file path=ppt/slides/slide12.xml><?xml version="1.0" encoding="utf-8"?>
 <p:sld xmlns:a="http://schemas.openxmlformats.org/drawingml/2006/main" xmlns:r="http://schemas.openxmlformats.org/officeDocument/2006/relationships" xmlns:p="http://schemas.openxmlformats.org/presentationml/2006/main">
   <p:cSld>
     <p:bg>
@@ -7307,7 +7474,7 @@
           <p:cNvPr id="2" name="Titel 1">
             <a:extLst>
               <a:ext uri="{FF2B5EF4-FFF2-40B4-BE49-F238E27FC236}">
-                <a16:creationId xmlns:a16="http://schemas.microsoft.com/office/drawing/2014/main" id="{01A5A2D6-35A8-4E1F-8039-6774D2ADCB12}"/>
+                <a16:creationId xmlns:a16="http://schemas.microsoft.com/office/drawing/2014/main" id="{910569BD-00C3-4809-90E8-C0140F04065D}"/>
               </a:ext>
             </a:extLst>
           </p:cNvPr>
@@ -7331,15 +7498,15 @@
           <a:lstStyle/>
           <a:p>
             <a:r>
-              <a:rPr lang="en-US" sz="2600"/>
-              <a:t>Abweichung vom Normalwert</a:t>
-            </a:r>
-          </a:p>
-        </p:txBody>
-      </p:sp>
-      <p:sp>
-        <p:nvSpPr>
-          <p:cNvPr id="40" name="Rectangle 39">
+              <a:rPr lang="en-US" sz="2800"/>
+              <a:t>Differenz Zum Tag Davor</a:t>
+            </a:r>
+          </a:p>
+        </p:txBody>
+      </p:sp>
+      <p:sp>
+        <p:nvSpPr>
+          <p:cNvPr id="16" name="Rectangle 15">
             <a:extLst>
               <a:ext uri="{FF2B5EF4-FFF2-40B4-BE49-F238E27FC236}">
                 <a16:creationId xmlns:a16="http://schemas.microsoft.com/office/drawing/2014/main" id="{ED6F0A31-5407-4EFA-9DFA-67E942682962}"/>
@@ -7402,10 +7569,10 @@
       </p:sp>
       <p:pic>
         <p:nvPicPr>
-          <p:cNvPr id="20" name="Bildplatzhalter 19" descr="Ein Bild, das Text, Karte enthält.&#10;&#10;Automatisch generierte Beschreibung">
+          <p:cNvPr id="6" name="Bildplatzhalter 5" descr="Ein Bild, das Mann, Luft enthält.&#10;&#10;Automatisch generierte Beschreibung">
             <a:extLst>
               <a:ext uri="{FF2B5EF4-FFF2-40B4-BE49-F238E27FC236}">
-                <a16:creationId xmlns:a16="http://schemas.microsoft.com/office/drawing/2014/main" id="{89613E34-9896-405C-863E-A6795F77CDDC}"/>
+                <a16:creationId xmlns:a16="http://schemas.microsoft.com/office/drawing/2014/main" id="{BF0D4C4F-3973-403A-9336-914DA346C8A5}"/>
               </a:ext>
             </a:extLst>
           </p:cNvPr>
@@ -7418,23 +7585,48 @@
         </p:nvPicPr>
         <p:blipFill rotWithShape="1">
           <a:blip r:embed="rId2"/>
-          <a:srcRect l="134" r="1275"/>
+          <a:srcRect l="311" r="3504"/>
           <a:stretch/>
         </p:blipFill>
         <p:spPr>
           <a:xfrm>
-            <a:off x="4890316" y="1590426"/>
-            <a:ext cx="6824164" cy="3677148"/>
+            <a:off x="4910328" y="671438"/>
+            <a:ext cx="6927088" cy="5637497"/>
           </a:xfrm>
           <a:prstGeom prst="rect">
             <a:avLst/>
           </a:prstGeom>
         </p:spPr>
       </p:pic>
+      <p:sp>
+        <p:nvSpPr>
+          <p:cNvPr id="4" name="Textplatzhalter 3">
+            <a:extLst>
+              <a:ext uri="{FF2B5EF4-FFF2-40B4-BE49-F238E27FC236}">
+                <a16:creationId xmlns:a16="http://schemas.microsoft.com/office/drawing/2014/main" id="{A96D68E8-E5F3-4649-8750-0AEE876E9FD7}"/>
+              </a:ext>
+            </a:extLst>
+          </p:cNvPr>
+          <p:cNvSpPr>
+            <a:spLocks noGrp="1"/>
+          </p:cNvSpPr>
+          <p:nvPr>
+            <p:ph type="body" sz="half" idx="2"/>
+          </p:nvPr>
+        </p:nvSpPr>
+        <p:spPr/>
+        <p:txBody>
+          <a:bodyPr/>
+          <a:lstStyle/>
+          <a:p>
+            <a:endParaRPr lang="de-DE"/>
+          </a:p>
+        </p:txBody>
+      </p:sp>
     </p:spTree>
     <p:extLst>
       <p:ext uri="{BB962C8B-B14F-4D97-AF65-F5344CB8AC3E}">
-        <p14:creationId xmlns:p14="http://schemas.microsoft.com/office/powerpoint/2010/main" val="3589455395"/>
+        <p14:creationId xmlns:p14="http://schemas.microsoft.com/office/powerpoint/2010/main" val="1824650089"/>
       </p:ext>
     </p:extLst>
   </p:cSld>
@@ -7474,7 +7666,7 @@
           <p:cNvPr id="2" name="Titel 1">
             <a:extLst>
               <a:ext uri="{FF2B5EF4-FFF2-40B4-BE49-F238E27FC236}">
-                <a16:creationId xmlns:a16="http://schemas.microsoft.com/office/drawing/2014/main" id="{16E58BFA-8BEF-4E5D-B568-2D1DA8110E18}"/>
+                <a16:creationId xmlns:a16="http://schemas.microsoft.com/office/drawing/2014/main" id="{01A5A2D6-35A8-4E1F-8039-6774D2ADCB12}"/>
               </a:ext>
             </a:extLst>
           </p:cNvPr>
@@ -7498,15 +7690,15 @@
           <a:lstStyle/>
           <a:p>
             <a:r>
-              <a:rPr lang="en-US" sz="2800"/>
-              <a:t>Prozent vom Maximum</a:t>
-            </a:r>
-          </a:p>
-        </p:txBody>
-      </p:sp>
-      <p:sp>
-        <p:nvSpPr>
-          <p:cNvPr id="33" name="Rectangle 30">
+              <a:rPr lang="en-US" sz="2600"/>
+              <a:t>Abweichung vom Normalwert</a:t>
+            </a:r>
+          </a:p>
+        </p:txBody>
+      </p:sp>
+      <p:sp>
+        <p:nvSpPr>
+          <p:cNvPr id="40" name="Rectangle 39">
             <a:extLst>
               <a:ext uri="{FF2B5EF4-FFF2-40B4-BE49-F238E27FC236}">
                 <a16:creationId xmlns:a16="http://schemas.microsoft.com/office/drawing/2014/main" id="{ED6F0A31-5407-4EFA-9DFA-67E942682962}"/>
@@ -7569,6 +7761,173 @@
       </p:sp>
       <p:pic>
         <p:nvPicPr>
+          <p:cNvPr id="20" name="Bildplatzhalter 19" descr="Ein Bild, das Text, Karte enthält.&#10;&#10;Automatisch generierte Beschreibung">
+            <a:extLst>
+              <a:ext uri="{FF2B5EF4-FFF2-40B4-BE49-F238E27FC236}">
+                <a16:creationId xmlns:a16="http://schemas.microsoft.com/office/drawing/2014/main" id="{89613E34-9896-405C-863E-A6795F77CDDC}"/>
+              </a:ext>
+            </a:extLst>
+          </p:cNvPr>
+          <p:cNvPicPr>
+            <a:picLocks noGrp="1" noChangeAspect="1"/>
+          </p:cNvPicPr>
+          <p:nvPr>
+            <p:ph type="pic" idx="1"/>
+          </p:nvPr>
+        </p:nvPicPr>
+        <p:blipFill rotWithShape="1">
+          <a:blip r:embed="rId2"/>
+          <a:srcRect l="134" r="1275"/>
+          <a:stretch/>
+        </p:blipFill>
+        <p:spPr>
+          <a:xfrm>
+            <a:off x="4890316" y="1590426"/>
+            <a:ext cx="6824164" cy="3677148"/>
+          </a:xfrm>
+          <a:prstGeom prst="rect">
+            <a:avLst/>
+          </a:prstGeom>
+        </p:spPr>
+      </p:pic>
+    </p:spTree>
+    <p:extLst>
+      <p:ext uri="{BB962C8B-B14F-4D97-AF65-F5344CB8AC3E}">
+        <p14:creationId xmlns:p14="http://schemas.microsoft.com/office/powerpoint/2010/main" val="3589455395"/>
+      </p:ext>
+    </p:extLst>
+  </p:cSld>
+  <p:clrMapOvr>
+    <a:masterClrMapping/>
+  </p:clrMapOvr>
+</p:sld>
+</file>
+
+<file path=ppt/slides/slide9.xml><?xml version="1.0" encoding="utf-8"?>
+<p:sld xmlns:a="http://schemas.openxmlformats.org/drawingml/2006/main" xmlns:r="http://schemas.openxmlformats.org/officeDocument/2006/relationships" xmlns:p="http://schemas.openxmlformats.org/presentationml/2006/main">
+  <p:cSld>
+    <p:bg>
+      <p:bgPr>
+        <a:solidFill>
+          <a:schemeClr val="accent2"/>
+        </a:solidFill>
+        <a:effectLst/>
+      </p:bgPr>
+    </p:bg>
+    <p:spTree>
+      <p:nvGrpSpPr>
+        <p:cNvPr id="1" name=""/>
+        <p:cNvGrpSpPr/>
+        <p:nvPr/>
+      </p:nvGrpSpPr>
+      <p:grpSpPr>
+        <a:xfrm>
+          <a:off x="0" y="0"/>
+          <a:ext cx="0" cy="0"/>
+          <a:chOff x="0" y="0"/>
+          <a:chExt cx="0" cy="0"/>
+        </a:xfrm>
+      </p:grpSpPr>
+      <p:sp>
+        <p:nvSpPr>
+          <p:cNvPr id="2" name="Titel 1">
+            <a:extLst>
+              <a:ext uri="{FF2B5EF4-FFF2-40B4-BE49-F238E27FC236}">
+                <a16:creationId xmlns:a16="http://schemas.microsoft.com/office/drawing/2014/main" id="{16E58BFA-8BEF-4E5D-B568-2D1DA8110E18}"/>
+              </a:ext>
+            </a:extLst>
+          </p:cNvPr>
+          <p:cNvSpPr>
+            <a:spLocks noGrp="1"/>
+          </p:cNvSpPr>
+          <p:nvPr>
+            <p:ph type="title"/>
+          </p:nvPr>
+        </p:nvSpPr>
+        <p:spPr>
+          <a:xfrm>
+            <a:off x="804672" y="2404872"/>
+            <a:ext cx="3044950" cy="1627792"/>
+          </a:xfrm>
+        </p:spPr>
+        <p:txBody>
+          <a:bodyPr vert="horz" lIns="274320" tIns="182880" rIns="274320" bIns="182880" rtlCol="0" anchor="ctr" anchorCtr="1">
+            <a:normAutofit/>
+          </a:bodyPr>
+          <a:lstStyle/>
+          <a:p>
+            <a:r>
+              <a:rPr lang="en-US" sz="2800"/>
+              <a:t>Prozent vom Maximum</a:t>
+            </a:r>
+          </a:p>
+        </p:txBody>
+      </p:sp>
+      <p:sp>
+        <p:nvSpPr>
+          <p:cNvPr id="33" name="Rectangle 30">
+            <a:extLst>
+              <a:ext uri="{FF2B5EF4-FFF2-40B4-BE49-F238E27FC236}">
+                <a16:creationId xmlns:a16="http://schemas.microsoft.com/office/drawing/2014/main" id="{ED6F0A31-5407-4EFA-9DFA-67E942682962}"/>
+              </a:ext>
+              <a:ext uri="{C183D7F6-B498-43B3-948B-1728B52AA6E4}">
+                <adec:decorative xmlns:adec="http://schemas.microsoft.com/office/drawing/2017/decorative" val="1"/>
+              </a:ext>
+            </a:extLst>
+          </p:cNvPr>
+          <p:cNvSpPr>
+            <a:spLocks noGrp="1" noRot="1" noChangeAspect="1" noMove="1" noResize="1" noEditPoints="1" noAdjustHandles="1" noChangeArrowheads="1" noChangeShapeType="1" noTextEdit="1"/>
+          </p:cNvSpPr>
+          <p:nvPr>
+            <p:extLst>
+              <p:ext uri="{386F3935-93C4-4BCD-93E2-E3B085C9AB24}">
+                <p16:designElem xmlns:p16="http://schemas.microsoft.com/office/powerpoint/2015/main" val="1"/>
+              </p:ext>
+            </p:extLst>
+          </p:nvPr>
+        </p:nvSpPr>
+        <p:spPr>
+          <a:xfrm>
+            <a:off x="4654296" y="0"/>
+            <a:ext cx="7537703" cy="6858000"/>
+          </a:xfrm>
+          <a:prstGeom prst="rect">
+            <a:avLst/>
+          </a:prstGeom>
+          <a:solidFill>
+            <a:srgbClr val="FFFFFF"/>
+          </a:solidFill>
+          <a:ln>
+            <a:noFill/>
+          </a:ln>
+        </p:spPr>
+        <p:style>
+          <a:lnRef idx="2">
+            <a:schemeClr val="accent1">
+              <a:shade val="50000"/>
+            </a:schemeClr>
+          </a:lnRef>
+          <a:fillRef idx="1">
+            <a:schemeClr val="accent1"/>
+          </a:fillRef>
+          <a:effectRef idx="0">
+            <a:schemeClr val="accent1"/>
+          </a:effectRef>
+          <a:fontRef idx="minor">
+            <a:schemeClr val="lt1"/>
+          </a:fontRef>
+        </p:style>
+        <p:txBody>
+          <a:bodyPr rtlCol="0" anchor="ctr"/>
+          <a:lstStyle/>
+          <a:p>
+            <a:pPr algn="ctr"/>
+            <a:endParaRPr lang="en-US"/>
+          </a:p>
+        </p:txBody>
+      </p:sp>
+      <p:pic>
+        <p:nvPicPr>
           <p:cNvPr id="9" name="Bildplatzhalter 8" descr="Ein Bild, das Text, Karte enthält.&#10;&#10;Automatisch generierte Beschreibung">
             <a:extLst>
               <a:ext uri="{FF2B5EF4-FFF2-40B4-BE49-F238E27FC236}">
@@ -7602,125 +7961,6 @@
     <p:extLst>
       <p:ext uri="{BB962C8B-B14F-4D97-AF65-F5344CB8AC3E}">
         <p14:creationId xmlns:p14="http://schemas.microsoft.com/office/powerpoint/2010/main" val="2316147261"/>
-      </p:ext>
-    </p:extLst>
-  </p:cSld>
-  <p:clrMapOvr>
-    <a:masterClrMapping/>
-  </p:clrMapOvr>
-</p:sld>
-</file>
-
-<file path=ppt/slides/slide9.xml><?xml version="1.0" encoding="utf-8"?>
-<p:sld xmlns:a="http://schemas.openxmlformats.org/drawingml/2006/main" xmlns:r="http://schemas.openxmlformats.org/officeDocument/2006/relationships" xmlns:p="http://schemas.openxmlformats.org/presentationml/2006/main">
-  <p:cSld>
-    <p:spTree>
-      <p:nvGrpSpPr>
-        <p:cNvPr id="1" name=""/>
-        <p:cNvGrpSpPr/>
-        <p:nvPr/>
-      </p:nvGrpSpPr>
-      <p:grpSpPr>
-        <a:xfrm>
-          <a:off x="0" y="0"/>
-          <a:ext cx="0" cy="0"/>
-          <a:chOff x="0" y="0"/>
-          <a:chExt cx="0" cy="0"/>
-        </a:xfrm>
-      </p:grpSpPr>
-      <p:sp>
-        <p:nvSpPr>
-          <p:cNvPr id="2" name="Titel 1">
-            <a:extLst>
-              <a:ext uri="{FF2B5EF4-FFF2-40B4-BE49-F238E27FC236}">
-                <a16:creationId xmlns:a16="http://schemas.microsoft.com/office/drawing/2014/main" id="{0C6ACE98-289A-4B56-B373-9411C721F085}"/>
-              </a:ext>
-            </a:extLst>
-          </p:cNvPr>
-          <p:cNvSpPr>
-            <a:spLocks noGrp="1"/>
-          </p:cNvSpPr>
-          <p:nvPr>
-            <p:ph type="title"/>
-          </p:nvPr>
-        </p:nvSpPr>
-        <p:spPr/>
-        <p:txBody>
-          <a:bodyPr/>
-          <a:lstStyle/>
-          <a:p>
-            <a:r>
-              <a:rPr lang="de-DE" dirty="0"/>
-              <a:t>Szenarien</a:t>
-            </a:r>
-          </a:p>
-        </p:txBody>
-      </p:sp>
-      <p:sp>
-        <p:nvSpPr>
-          <p:cNvPr id="3" name="Inhaltsplatzhalter 2">
-            <a:extLst>
-              <a:ext uri="{FF2B5EF4-FFF2-40B4-BE49-F238E27FC236}">
-                <a16:creationId xmlns:a16="http://schemas.microsoft.com/office/drawing/2014/main" id="{22CA4C96-7AF5-4E95-AF81-029CFCF557FB}"/>
-              </a:ext>
-            </a:extLst>
-          </p:cNvPr>
-          <p:cNvSpPr>
-            <a:spLocks noGrp="1"/>
-          </p:cNvSpPr>
-          <p:nvPr>
-            <p:ph idx="1"/>
-          </p:nvPr>
-        </p:nvSpPr>
-        <p:spPr/>
-        <p:txBody>
-          <a:bodyPr/>
-          <a:lstStyle/>
-          <a:p>
-            <a:r>
-              <a:rPr lang="de-DE" dirty="0"/>
-              <a:t>These: z.B. generell werden 20 % nicht erfasst</a:t>
-            </a:r>
-          </a:p>
-          <a:p>
-            <a:r>
-              <a:rPr lang="de-DE" dirty="0"/>
-              <a:t>Neuen Datensatz mit mehr Daten erzeugen</a:t>
-            </a:r>
-          </a:p>
-          <a:p>
-            <a:r>
-              <a:rPr lang="de-DE" dirty="0"/>
-              <a:t>Datums- und Tages-modell mit diesem Datensatz rechnen</a:t>
-            </a:r>
-          </a:p>
-          <a:p>
-            <a:r>
-              <a:rPr lang="de-DE" dirty="0"/>
-              <a:t>Verändert sich etwas?</a:t>
-            </a:r>
-          </a:p>
-          <a:p>
-            <a:endParaRPr lang="de-DE" dirty="0"/>
-          </a:p>
-          <a:p>
-            <a:r>
-              <a:rPr lang="de-DE" dirty="0"/>
-              <a:t>Keine Validierung der These möglich!</a:t>
-            </a:r>
-          </a:p>
-          <a:p>
-            <a:r>
-              <a:rPr lang="de-DE" dirty="0"/>
-              <a:t>Nur: Was wäre wenn…</a:t>
-            </a:r>
-          </a:p>
-        </p:txBody>
-      </p:sp>
-    </p:spTree>
-    <p:extLst>
-      <p:ext uri="{BB962C8B-B14F-4D97-AF65-F5344CB8AC3E}">
-        <p14:creationId xmlns:p14="http://schemas.microsoft.com/office/powerpoint/2010/main" val="2377716672"/>
       </p:ext>
     </p:extLst>
   </p:cSld>

--- a/Organisatorisches/LVS-IR-Taubenstein.pptx
+++ b/Organisatorisches/LVS-IR-Taubenstein.pptx
@@ -126,7 +126,7 @@
 <file path=ppt/revisionInfo.xml><?xml version="1.0" encoding="utf-8"?>
 <p1510:revInfo xmlns:a="http://schemas.openxmlformats.org/drawingml/2006/main" xmlns:r="http://schemas.openxmlformats.org/officeDocument/2006/relationships" xmlns:p1510="http://schemas.microsoft.com/office/powerpoint/2015/10/main">
   <p1510:revLst>
-    <p1510:client id="{495477B4-C613-4D07-BDB7-E23D159D9F6B}" v="58" dt="2020-05-05T09:16:17.834"/>
+    <p1510:client id="{495477B4-C613-4D07-BDB7-E23D159D9F6B}" v="70" dt="2020-05-05T14:37:29.667"/>
   </p1510:revLst>
 </p1510:revInfo>
 </file>
@@ -136,7 +136,7 @@
   <pc:docChgLst>
     <pc:chgData name="Lea Vanheyden" userId="0ebe8cb9b4dd81cf" providerId="LiveId" clId="{495477B4-C613-4D07-BDB7-E23D159D9F6B}"/>
     <pc:docChg chg="undo custSel mod addSld delSld modSld">
-      <pc:chgData name="Lea Vanheyden" userId="0ebe8cb9b4dd81cf" providerId="LiveId" clId="{495477B4-C613-4D07-BDB7-E23D159D9F6B}" dt="2020-05-05T09:16:48.160" v="1763" actId="14100"/>
+      <pc:chgData name="Lea Vanheyden" userId="0ebe8cb9b4dd81cf" providerId="LiveId" clId="{495477B4-C613-4D07-BDB7-E23D159D9F6B}" dt="2020-05-05T14:38:24.245" v="1835" actId="1076"/>
       <pc:docMkLst>
         <pc:docMk/>
       </pc:docMkLst>
@@ -147,33 +147,105 @@
           <pc:sldMk cId="486704747" sldId="258"/>
         </pc:sldMkLst>
       </pc:sldChg>
-      <pc:sldChg chg="modSp">
-        <pc:chgData name="Lea Vanheyden" userId="0ebe8cb9b4dd81cf" providerId="LiveId" clId="{495477B4-C613-4D07-BDB7-E23D159D9F6B}" dt="2020-05-02T10:01:33.766" v="1570" actId="122"/>
+      <pc:sldChg chg="addSp delSp modSp mod setBg">
+        <pc:chgData name="Lea Vanheyden" userId="0ebe8cb9b4dd81cf" providerId="LiveId" clId="{495477B4-C613-4D07-BDB7-E23D159D9F6B}" dt="2020-05-05T14:26:32.379" v="1795" actId="478"/>
         <pc:sldMkLst>
           <pc:docMk/>
           <pc:sldMk cId="843306441" sldId="259"/>
         </pc:sldMkLst>
         <pc:spChg chg="mod">
-          <ac:chgData name="Lea Vanheyden" userId="0ebe8cb9b4dd81cf" providerId="LiveId" clId="{495477B4-C613-4D07-BDB7-E23D159D9F6B}" dt="2020-05-02T10:01:33.766" v="1570" actId="122"/>
+          <ac:chgData name="Lea Vanheyden" userId="0ebe8cb9b4dd81cf" providerId="LiveId" clId="{495477B4-C613-4D07-BDB7-E23D159D9F6B}" dt="2020-05-05T14:21:25.199" v="1771" actId="26606"/>
+          <ac:spMkLst>
+            <pc:docMk/>
+            <pc:sldMk cId="843306441" sldId="259"/>
+            <ac:spMk id="2" creationId="{0B3AB336-22A9-4EA5-917F-11EECDCEFD4A}"/>
+          </ac:spMkLst>
+        </pc:spChg>
+        <pc:spChg chg="del mod">
+          <ac:chgData name="Lea Vanheyden" userId="0ebe8cb9b4dd81cf" providerId="LiveId" clId="{495477B4-C613-4D07-BDB7-E23D159D9F6B}" dt="2020-05-05T14:26:32.379" v="1795" actId="478"/>
+          <ac:spMkLst>
+            <pc:docMk/>
+            <pc:sldMk cId="843306441" sldId="259"/>
+            <ac:spMk id="4" creationId="{54201D81-CAFF-425A-8BCE-D79614BF75B0}"/>
+          </ac:spMkLst>
+        </pc:spChg>
+        <pc:spChg chg="mod ord">
+          <ac:chgData name="Lea Vanheyden" userId="0ebe8cb9b4dd81cf" providerId="LiveId" clId="{495477B4-C613-4D07-BDB7-E23D159D9F6B}" dt="2020-05-05T14:21:25.199" v="1771" actId="26606"/>
           <ac:spMkLst>
             <pc:docMk/>
             <pc:sldMk cId="843306441" sldId="259"/>
             <ac:spMk id="6" creationId="{7A98BEFE-53E5-48C5-8B19-EFBA4F67CFC7}"/>
           </ac:spMkLst>
         </pc:spChg>
+        <pc:spChg chg="add del mod">
+          <ac:chgData name="Lea Vanheyden" userId="0ebe8cb9b4dd81cf" providerId="LiveId" clId="{495477B4-C613-4D07-BDB7-E23D159D9F6B}" dt="2020-05-05T14:21:37.065" v="1774" actId="478"/>
+          <ac:spMkLst>
+            <pc:docMk/>
+            <pc:sldMk cId="843306441" sldId="259"/>
+            <ac:spMk id="7" creationId="{14718F4D-8BE0-4FB5-A437-B125600131BB}"/>
+          </ac:spMkLst>
+        </pc:spChg>
+        <pc:spChg chg="add del">
+          <ac:chgData name="Lea Vanheyden" userId="0ebe8cb9b4dd81cf" providerId="LiveId" clId="{495477B4-C613-4D07-BDB7-E23D159D9F6B}" dt="2020-05-05T14:21:25.199" v="1771" actId="26606"/>
+          <ac:spMkLst>
+            <pc:docMk/>
+            <pc:sldMk cId="843306441" sldId="259"/>
+            <ac:spMk id="10" creationId="{ED6F0A31-5407-4EFA-9DFA-67E942682962}"/>
+          </ac:spMkLst>
+        </pc:spChg>
+        <pc:spChg chg="add mod">
+          <ac:chgData name="Lea Vanheyden" userId="0ebe8cb9b4dd81cf" providerId="LiveId" clId="{495477B4-C613-4D07-BDB7-E23D159D9F6B}" dt="2020-05-05T14:26:32.379" v="1795" actId="478"/>
+          <ac:spMkLst>
+            <pc:docMk/>
+            <pc:sldMk cId="843306441" sldId="259"/>
+            <ac:spMk id="12" creationId="{C3AC3DDF-5E17-4277-BFFC-4F930D9CBD53}"/>
+          </ac:spMkLst>
+        </pc:spChg>
+        <pc:picChg chg="del">
+          <ac:chgData name="Lea Vanheyden" userId="0ebe8cb9b4dd81cf" providerId="LiveId" clId="{495477B4-C613-4D07-BDB7-E23D159D9F6B}" dt="2020-05-05T14:21:00.536" v="1764" actId="478"/>
+          <ac:picMkLst>
+            <pc:docMk/>
+            <pc:sldMk cId="843306441" sldId="259"/>
+            <ac:picMk id="5" creationId="{F3DD641A-4C55-4A7B-8666-7EB5B4C1A8A5}"/>
+          </ac:picMkLst>
+        </pc:picChg>
+        <pc:picChg chg="add del mod">
+          <ac:chgData name="Lea Vanheyden" userId="0ebe8cb9b4dd81cf" providerId="LiveId" clId="{495477B4-C613-4D07-BDB7-E23D159D9F6B}" dt="2020-05-05T14:24:22.479" v="1790" actId="478"/>
+          <ac:picMkLst>
+            <pc:docMk/>
+            <pc:sldMk cId="843306441" sldId="259"/>
+            <ac:picMk id="8" creationId="{8AE66CBF-58A4-43E7-830F-3B8F9D5AC1E2}"/>
+          </ac:picMkLst>
+        </pc:picChg>
+        <pc:picChg chg="add mod">
+          <ac:chgData name="Lea Vanheyden" userId="0ebe8cb9b4dd81cf" providerId="LiveId" clId="{495477B4-C613-4D07-BDB7-E23D159D9F6B}" dt="2020-05-05T14:24:50.194" v="1793" actId="1076"/>
+          <ac:picMkLst>
+            <pc:docMk/>
+            <pc:sldMk cId="843306441" sldId="259"/>
+            <ac:picMk id="9" creationId="{1057E06E-D1BF-45C2-BC41-C8B89A65D583}"/>
+          </ac:picMkLst>
+        </pc:picChg>
       </pc:sldChg>
-      <pc:sldChg chg="addSp delSp modSp add del setBg delDesignElem">
-        <pc:chgData name="Lea Vanheyden" userId="0ebe8cb9b4dd81cf" providerId="LiveId" clId="{495477B4-C613-4D07-BDB7-E23D159D9F6B}" dt="2020-05-02T10:01:46.473" v="1571" actId="255"/>
+      <pc:sldChg chg="addSp delSp modSp add del mod setBg delDesignElem">
+        <pc:chgData name="Lea Vanheyden" userId="0ebe8cb9b4dd81cf" providerId="LiveId" clId="{495477B4-C613-4D07-BDB7-E23D159D9F6B}" dt="2020-05-05T14:38:24.245" v="1835" actId="1076"/>
         <pc:sldMkLst>
           <pc:docMk/>
           <pc:sldMk cId="1743032432" sldId="260"/>
         </pc:sldMkLst>
         <pc:spChg chg="mod">
-          <ac:chgData name="Lea Vanheyden" userId="0ebe8cb9b4dd81cf" providerId="LiveId" clId="{495477B4-C613-4D07-BDB7-E23D159D9F6B}" dt="2020-05-02T09:23:33.528" v="13" actId="20577"/>
+          <ac:chgData name="Lea Vanheyden" userId="0ebe8cb9b4dd81cf" providerId="LiveId" clId="{495477B4-C613-4D07-BDB7-E23D159D9F6B}" dt="2020-05-05T14:36:14.293" v="1813" actId="26606"/>
           <ac:spMkLst>
             <pc:docMk/>
             <pc:sldMk cId="1743032432" sldId="260"/>
             <ac:spMk id="2" creationId="{0B3AB336-22A9-4EA5-917F-11EECDCEFD4A}"/>
+          </ac:spMkLst>
+        </pc:spChg>
+        <pc:spChg chg="add del">
+          <ac:chgData name="Lea Vanheyden" userId="0ebe8cb9b4dd81cf" providerId="LiveId" clId="{495477B4-C613-4D07-BDB7-E23D159D9F6B}" dt="2020-05-05T14:37:03.424" v="1818"/>
+          <ac:spMkLst>
+            <pc:docMk/>
+            <pc:sldMk cId="1743032432" sldId="260"/>
+            <ac:spMk id="4" creationId="{17316782-0291-4B8C-90F4-50253CF99D54}"/>
           </ac:spMkLst>
         </pc:spChg>
         <pc:spChg chg="del mod">
@@ -184,8 +256,16 @@
             <ac:spMk id="4" creationId="{54201D81-CAFF-425A-8BCE-D79614BF75B0}"/>
           </ac:spMkLst>
         </pc:spChg>
-        <pc:spChg chg="mod">
-          <ac:chgData name="Lea Vanheyden" userId="0ebe8cb9b4dd81cf" providerId="LiveId" clId="{495477B4-C613-4D07-BDB7-E23D159D9F6B}" dt="2020-05-02T10:01:46.473" v="1571" actId="255"/>
+        <pc:spChg chg="add del mod">
+          <ac:chgData name="Lea Vanheyden" userId="0ebe8cb9b4dd81cf" providerId="LiveId" clId="{495477B4-C613-4D07-BDB7-E23D159D9F6B}" dt="2020-05-05T14:37:20.433" v="1821" actId="478"/>
+          <ac:spMkLst>
+            <pc:docMk/>
+            <pc:sldMk cId="1743032432" sldId="260"/>
+            <ac:spMk id="5" creationId="{30B23A67-7B73-48AA-A31D-AB1517E4EE1C}"/>
+          </ac:spMkLst>
+        </pc:spChg>
+        <pc:spChg chg="mod ord">
+          <ac:chgData name="Lea Vanheyden" userId="0ebe8cb9b4dd81cf" providerId="LiveId" clId="{495477B4-C613-4D07-BDB7-E23D159D9F6B}" dt="2020-05-05T14:36:14.293" v="1813" actId="26606"/>
           <ac:spMkLst>
             <pc:docMk/>
             <pc:sldMk cId="1743032432" sldId="260"/>
@@ -216,12 +296,36 @@
             <ac:spMk id="10" creationId="{ED6F0A31-5407-4EFA-9DFA-67E942682962}"/>
           </ac:spMkLst>
         </pc:spChg>
+        <pc:spChg chg="add">
+          <ac:chgData name="Lea Vanheyden" userId="0ebe8cb9b4dd81cf" providerId="LiveId" clId="{495477B4-C613-4D07-BDB7-E23D159D9F6B}" dt="2020-05-05T14:36:14.293" v="1813" actId="26606"/>
+          <ac:spMkLst>
+            <pc:docMk/>
+            <pc:sldMk cId="1743032432" sldId="260"/>
+            <ac:spMk id="11" creationId="{ED6F0A31-5407-4EFA-9DFA-67E942682962}"/>
+          </ac:spMkLst>
+        </pc:spChg>
+        <pc:picChg chg="add mod">
+          <ac:chgData name="Lea Vanheyden" userId="0ebe8cb9b4dd81cf" providerId="LiveId" clId="{495477B4-C613-4D07-BDB7-E23D159D9F6B}" dt="2020-05-05T14:38:24.245" v="1835" actId="1076"/>
+          <ac:picMkLst>
+            <pc:docMk/>
+            <pc:sldMk cId="1743032432" sldId="260"/>
+            <ac:picMk id="3" creationId="{53BAAA17-2836-40F7-ACE4-5859236A61D2}"/>
+          </ac:picMkLst>
+        </pc:picChg>
         <pc:picChg chg="del mod">
           <ac:chgData name="Lea Vanheyden" userId="0ebe8cb9b4dd81cf" providerId="LiveId" clId="{495477B4-C613-4D07-BDB7-E23D159D9F6B}" dt="2020-05-02T09:24:18.096" v="75" actId="478"/>
           <ac:picMkLst>
             <pc:docMk/>
             <pc:sldMk cId="1743032432" sldId="260"/>
             <ac:picMk id="5" creationId="{F3DD641A-4C55-4A7B-8666-7EB5B4C1A8A5}"/>
+          </ac:picMkLst>
+        </pc:picChg>
+        <pc:picChg chg="add mod">
+          <ac:chgData name="Lea Vanheyden" userId="0ebe8cb9b4dd81cf" providerId="LiveId" clId="{495477B4-C613-4D07-BDB7-E23D159D9F6B}" dt="2020-05-05T14:38:17.090" v="1833" actId="1076"/>
+          <ac:picMkLst>
+            <pc:docMk/>
+            <pc:sldMk cId="1743032432" sldId="260"/>
+            <ac:picMk id="7" creationId="{5FE0BA49-8AE9-406E-B638-A74E2977228D}"/>
           </ac:picMkLst>
         </pc:picChg>
       </pc:sldChg>
@@ -462,7 +566,7 @@
         </pc:picChg>
       </pc:sldChg>
       <pc:sldChg chg="addSp delSp modSp add mod setBg">
-        <pc:chgData name="Lea Vanheyden" userId="0ebe8cb9b4dd81cf" providerId="LiveId" clId="{495477B4-C613-4D07-BDB7-E23D159D9F6B}" dt="2020-05-05T09:00:54.462" v="1725" actId="1076"/>
+        <pc:chgData name="Lea Vanheyden" userId="0ebe8cb9b4dd81cf" providerId="LiveId" clId="{495477B4-C613-4D07-BDB7-E23D159D9F6B}" dt="2020-05-05T14:31:24.605" v="1806" actId="732"/>
         <pc:sldMkLst>
           <pc:docMk/>
           <pc:sldMk cId="2316147261" sldId="264"/>
@@ -491,12 +595,28 @@
             <ac:spMk id="4" creationId="{912A42DB-1C31-4A97-A35F-78018E56BE26}"/>
           </ac:spMkLst>
         </pc:spChg>
+        <pc:spChg chg="add del mod">
+          <ac:chgData name="Lea Vanheyden" userId="0ebe8cb9b4dd81cf" providerId="LiveId" clId="{495477B4-C613-4D07-BDB7-E23D159D9F6B}" dt="2020-05-05T14:30:55.890" v="1799" actId="931"/>
+          <ac:spMkLst>
+            <pc:docMk/>
+            <pc:sldMk cId="2316147261" sldId="264"/>
+            <ac:spMk id="4" creationId="{F4F4E79E-51DF-4CEC-B2E9-250162030231}"/>
+          </ac:spMkLst>
+        </pc:spChg>
         <pc:spChg chg="add del">
           <ac:chgData name="Lea Vanheyden" userId="0ebe8cb9b4dd81cf" providerId="LiveId" clId="{495477B4-C613-4D07-BDB7-E23D159D9F6B}" dt="2020-05-05T08:01:08.820" v="1635"/>
           <ac:spMkLst>
             <pc:docMk/>
             <pc:sldMk cId="2316147261" sldId="264"/>
             <ac:spMk id="5" creationId="{4E506707-E37F-41E6-B9E6-A8D7229D7569}"/>
+          </ac:spMkLst>
+        </pc:spChg>
+        <pc:spChg chg="add del">
+          <ac:chgData name="Lea Vanheyden" userId="0ebe8cb9b4dd81cf" providerId="LiveId" clId="{495477B4-C613-4D07-BDB7-E23D159D9F6B}" dt="2020-05-05T14:30:39.106" v="1798"/>
+          <ac:spMkLst>
+            <pc:docMk/>
+            <pc:sldMk cId="2316147261" sldId="264"/>
+            <ac:spMk id="5" creationId="{6C3A1797-48F5-4B8C-B4D7-50EBA925C62A}"/>
           </ac:spMkLst>
         </pc:spChg>
         <pc:spChg chg="add del">
@@ -579,8 +699,16 @@
             <ac:picMk id="7" creationId="{890077F8-78F9-43D8-99BC-B6330764B1BA}"/>
           </ac:picMkLst>
         </pc:picChg>
-        <pc:picChg chg="add mod">
-          <ac:chgData name="Lea Vanheyden" userId="0ebe8cb9b4dd81cf" providerId="LiveId" clId="{495477B4-C613-4D07-BDB7-E23D159D9F6B}" dt="2020-05-05T09:00:54.462" v="1725" actId="1076"/>
+        <pc:picChg chg="add mod modCrop">
+          <ac:chgData name="Lea Vanheyden" userId="0ebe8cb9b4dd81cf" providerId="LiveId" clId="{495477B4-C613-4D07-BDB7-E23D159D9F6B}" dt="2020-05-05T14:31:24.605" v="1806" actId="732"/>
+          <ac:picMkLst>
+            <pc:docMk/>
+            <pc:sldMk cId="2316147261" sldId="264"/>
+            <ac:picMk id="7" creationId="{DA36BB12-4EDB-4026-BA26-79052EDD7AB9}"/>
+          </ac:picMkLst>
+        </pc:picChg>
+        <pc:picChg chg="add del mod">
+          <ac:chgData name="Lea Vanheyden" userId="0ebe8cb9b4dd81cf" providerId="LiveId" clId="{495477B4-C613-4D07-BDB7-E23D159D9F6B}" dt="2020-05-05T14:30:35.339" v="1796" actId="478"/>
           <ac:picMkLst>
             <pc:docMk/>
             <pc:sldMk cId="2316147261" sldId="264"/>
@@ -6836,9 +6964,10 @@
           <a:lstStyle/>
           <a:p>
             <a:r>
-              <a:rPr lang="en-US" sz="2800" dirty="0"/>
+              <a:rPr lang="en-US" sz="2800"/>
               <a:t>Datums-Modell</a:t>
             </a:r>
+            <a:endParaRPr lang="en-US" sz="2800" dirty="0"/>
           </a:p>
         </p:txBody>
       </p:sp>
@@ -6905,125 +7034,6 @@
           </a:p>
         </p:txBody>
       </p:sp>
-      <p:pic>
-        <p:nvPicPr>
-          <p:cNvPr id="5" name="Bildplatzhalter 4">
-            <a:extLst>
-              <a:ext uri="{FF2B5EF4-FFF2-40B4-BE49-F238E27FC236}">
-                <a16:creationId xmlns:a16="http://schemas.microsoft.com/office/drawing/2014/main" id="{F3DD641A-4C55-4A7B-8666-7EB5B4C1A8A5}"/>
-              </a:ext>
-            </a:extLst>
-          </p:cNvPr>
-          <p:cNvPicPr>
-            <a:picLocks noGrp="1" noChangeAspect="1"/>
-          </p:cNvPicPr>
-          <p:nvPr>
-            <p:ph type="pic" idx="1"/>
-          </p:nvPr>
-        </p:nvPicPr>
-        <p:blipFill rotWithShape="1">
-          <a:blip r:embed="rId2"/>
-          <a:stretch/>
-        </p:blipFill>
-        <p:spPr>
-          <a:xfrm>
-            <a:off x="4650299" y="1007008"/>
-            <a:ext cx="7384161" cy="4688942"/>
-          </a:xfrm>
-          <a:prstGeom prst="rect">
-            <a:avLst/>
-          </a:prstGeom>
-        </p:spPr>
-      </p:pic>
-      <p:sp>
-        <p:nvSpPr>
-          <p:cNvPr id="4" name="Textplatzhalter 3">
-            <a:extLst>
-              <a:ext uri="{FF2B5EF4-FFF2-40B4-BE49-F238E27FC236}">
-                <a16:creationId xmlns:a16="http://schemas.microsoft.com/office/drawing/2014/main" id="{54201D81-CAFF-425A-8BCE-D79614BF75B0}"/>
-              </a:ext>
-            </a:extLst>
-          </p:cNvPr>
-          <p:cNvSpPr>
-            <a:spLocks noGrp="1"/>
-          </p:cNvSpPr>
-          <p:nvPr>
-            <p:ph type="body" sz="half" idx="2"/>
-          </p:nvPr>
-        </p:nvSpPr>
-        <p:spPr>
-          <a:xfrm>
-            <a:off x="4654296" y="5573123"/>
-            <a:ext cx="2516377" cy="2194037"/>
-          </a:xfrm>
-        </p:spPr>
-        <p:txBody>
-          <a:bodyPr/>
-          <a:lstStyle/>
-          <a:p>
-            <a:pPr algn="l"/>
-            <a:endParaRPr lang="de-DE" dirty="0">
-              <a:solidFill>
-                <a:schemeClr val="tx1"/>
-              </a:solidFill>
-            </a:endParaRPr>
-          </a:p>
-          <a:p>
-            <a:pPr algn="l"/>
-            <a:r>
-              <a:rPr lang="de-DE" dirty="0" err="1">
-                <a:solidFill>
-                  <a:schemeClr val="tx1"/>
-                </a:solidFill>
-              </a:rPr>
-              <a:t>Intercept</a:t>
-            </a:r>
-            <a:r>
-              <a:rPr lang="de-DE" dirty="0">
-                <a:solidFill>
-                  <a:schemeClr val="tx1"/>
-                </a:solidFill>
-              </a:rPr>
-              <a:t> bei 0.2058</a:t>
-            </a:r>
-          </a:p>
-          <a:p>
-            <a:pPr algn="l"/>
-            <a:r>
-              <a:rPr lang="de-DE" dirty="0" err="1">
-                <a:solidFill>
-                  <a:schemeClr val="tx1"/>
-                </a:solidFill>
-              </a:rPr>
-              <a:t>Deviance</a:t>
-            </a:r>
-            <a:r>
-              <a:rPr lang="de-DE" dirty="0">
-                <a:solidFill>
-                  <a:schemeClr val="tx1"/>
-                </a:solidFill>
-              </a:rPr>
-              <a:t> </a:t>
-            </a:r>
-            <a:r>
-              <a:rPr lang="de-DE" dirty="0" err="1">
-                <a:solidFill>
-                  <a:schemeClr val="tx1"/>
-                </a:solidFill>
-              </a:rPr>
-              <a:t>explained</a:t>
-            </a:r>
-            <a:r>
-              <a:rPr lang="de-DE" dirty="0">
-                <a:solidFill>
-                  <a:schemeClr val="tx1"/>
-                </a:solidFill>
-              </a:rPr>
-              <a:t> 86.9%</a:t>
-            </a:r>
-          </a:p>
-        </p:txBody>
-      </p:sp>
       <p:sp>
         <p:nvSpPr>
           <p:cNvPr id="6" name="Textfeld 5">
@@ -7054,13 +7064,73 @@
           <a:p>
             <a:pPr algn="ctr"/>
             <a:r>
-              <a:rPr lang="de-DE" sz="1500" dirty="0">
+              <a:rPr lang="de-DE" sz="1500">
                 <a:solidFill>
                   <a:schemeClr val="bg1"/>
                 </a:solidFill>
               </a:rPr>
               <a:t>Ein Generalisiertes Additives Modell mit logit-Link und den gruppierten Daten pro TAG</a:t>
             </a:r>
+            <a:endParaRPr lang="de-DE" sz="1500" dirty="0">
+              <a:solidFill>
+                <a:schemeClr val="bg1"/>
+              </a:solidFill>
+            </a:endParaRPr>
+          </a:p>
+        </p:txBody>
+      </p:sp>
+      <p:pic>
+        <p:nvPicPr>
+          <p:cNvPr id="9" name="Grafik 8">
+            <a:extLst>
+              <a:ext uri="{FF2B5EF4-FFF2-40B4-BE49-F238E27FC236}">
+                <a16:creationId xmlns:a16="http://schemas.microsoft.com/office/drawing/2014/main" id="{1057E06E-D1BF-45C2-BC41-C8B89A65D583}"/>
+              </a:ext>
+            </a:extLst>
+          </p:cNvPr>
+          <p:cNvPicPr>
+            <a:picLocks noChangeAspect="1"/>
+          </p:cNvPicPr>
+          <p:nvPr/>
+        </p:nvPicPr>
+        <p:blipFill>
+          <a:blip r:embed="rId2"/>
+          <a:stretch>
+            <a:fillRect/>
+          </a:stretch>
+        </p:blipFill>
+        <p:spPr>
+          <a:xfrm>
+            <a:off x="4654296" y="1216180"/>
+            <a:ext cx="7539153" cy="4005175"/>
+          </a:xfrm>
+          <a:prstGeom prst="rect">
+            <a:avLst/>
+          </a:prstGeom>
+        </p:spPr>
+      </p:pic>
+      <p:sp>
+        <p:nvSpPr>
+          <p:cNvPr id="12" name="Textplatzhalter 11">
+            <a:extLst>
+              <a:ext uri="{FF2B5EF4-FFF2-40B4-BE49-F238E27FC236}">
+                <a16:creationId xmlns:a16="http://schemas.microsoft.com/office/drawing/2014/main" id="{C3AC3DDF-5E17-4277-BFFC-4F930D9CBD53}"/>
+              </a:ext>
+            </a:extLst>
+          </p:cNvPr>
+          <p:cNvSpPr>
+            <a:spLocks noGrp="1"/>
+          </p:cNvSpPr>
+          <p:nvPr>
+            <p:ph type="body" sz="half" idx="2"/>
+          </p:nvPr>
+        </p:nvSpPr>
+        <p:spPr/>
+        <p:txBody>
+          <a:bodyPr/>
+          <a:lstStyle/>
+          <a:p>
+            <a:endParaRPr lang="de-DE"/>
           </a:p>
         </p:txBody>
       </p:sp>
@@ -7080,6 +7150,14 @@
 <file path=ppt/slides/slide4.xml><?xml version="1.0" encoding="utf-8"?>
 <p:sld xmlns:a="http://schemas.openxmlformats.org/drawingml/2006/main" xmlns:r="http://schemas.openxmlformats.org/officeDocument/2006/relationships" xmlns:p="http://schemas.openxmlformats.org/presentationml/2006/main">
   <p:cSld>
+    <p:bg>
+      <p:bgPr>
+        <a:solidFill>
+          <a:schemeClr val="accent2"/>
+        </a:solidFill>
+        <a:effectLst/>
+      </p:bgPr>
+    </p:bg>
     <p:spTree>
       <p:nvGrpSpPr>
         <p:cNvPr id="1" name=""/>
@@ -7123,7 +7201,7 @@
           <a:lstStyle/>
           <a:p>
             <a:r>
-              <a:rPr lang="en-US" sz="2800" dirty="0" err="1"/>
+              <a:rPr lang="en-US" sz="2800"/>
               <a:t>Tages</a:t>
             </a:r>
             <a:r>
@@ -7133,6 +7211,99 @@
           </a:p>
         </p:txBody>
       </p:sp>
+      <p:sp>
+        <p:nvSpPr>
+          <p:cNvPr id="11" name="Rectangle 10">
+            <a:extLst>
+              <a:ext uri="{FF2B5EF4-FFF2-40B4-BE49-F238E27FC236}">
+                <a16:creationId xmlns:a16="http://schemas.microsoft.com/office/drawing/2014/main" id="{ED6F0A31-5407-4EFA-9DFA-67E942682962}"/>
+              </a:ext>
+              <a:ext uri="{C183D7F6-B498-43B3-948B-1728B52AA6E4}">
+                <adec:decorative xmlns:adec="http://schemas.microsoft.com/office/drawing/2017/decorative" val="1"/>
+              </a:ext>
+            </a:extLst>
+          </p:cNvPr>
+          <p:cNvSpPr>
+            <a:spLocks noGrp="1" noRot="1" noChangeAspect="1" noMove="1" noResize="1" noEditPoints="1" noAdjustHandles="1" noChangeArrowheads="1" noChangeShapeType="1" noTextEdit="1"/>
+          </p:cNvSpPr>
+          <p:nvPr>
+            <p:extLst>
+              <p:ext uri="{386F3935-93C4-4BCD-93E2-E3B085C9AB24}">
+                <p16:designElem xmlns:p16="http://schemas.microsoft.com/office/powerpoint/2015/main" val="1"/>
+              </p:ext>
+            </p:extLst>
+          </p:nvPr>
+        </p:nvSpPr>
+        <p:spPr>
+          <a:xfrm>
+            <a:off x="4654296" y="0"/>
+            <a:ext cx="7537703" cy="6858000"/>
+          </a:xfrm>
+          <a:prstGeom prst="rect">
+            <a:avLst/>
+          </a:prstGeom>
+          <a:solidFill>
+            <a:srgbClr val="FFFFFF"/>
+          </a:solidFill>
+          <a:ln>
+            <a:noFill/>
+          </a:ln>
+        </p:spPr>
+        <p:style>
+          <a:lnRef idx="2">
+            <a:schemeClr val="accent1">
+              <a:shade val="50000"/>
+            </a:schemeClr>
+          </a:lnRef>
+          <a:fillRef idx="1">
+            <a:schemeClr val="accent1"/>
+          </a:fillRef>
+          <a:effectRef idx="0">
+            <a:schemeClr val="accent1"/>
+          </a:effectRef>
+          <a:fontRef idx="minor">
+            <a:schemeClr val="lt1"/>
+          </a:fontRef>
+        </p:style>
+        <p:txBody>
+          <a:bodyPr rtlCol="0" anchor="ctr"/>
+          <a:lstStyle/>
+          <a:p>
+            <a:pPr algn="ctr"/>
+            <a:endParaRPr lang="en-US"/>
+          </a:p>
+        </p:txBody>
+      </p:sp>
+      <p:pic>
+        <p:nvPicPr>
+          <p:cNvPr id="3" name="Grafik 2">
+            <a:extLst>
+              <a:ext uri="{FF2B5EF4-FFF2-40B4-BE49-F238E27FC236}">
+                <a16:creationId xmlns:a16="http://schemas.microsoft.com/office/drawing/2014/main" id="{53BAAA17-2836-40F7-ACE4-5859236A61D2}"/>
+              </a:ext>
+            </a:extLst>
+          </p:cNvPr>
+          <p:cNvPicPr>
+            <a:picLocks noChangeAspect="1"/>
+          </p:cNvPicPr>
+          <p:nvPr/>
+        </p:nvPicPr>
+        <p:blipFill>
+          <a:blip r:embed="rId2"/>
+          <a:stretch>
+            <a:fillRect/>
+          </a:stretch>
+        </p:blipFill>
+        <p:spPr>
+          <a:xfrm>
+            <a:off x="5186384" y="239100"/>
+            <a:ext cx="6473526" cy="3447152"/>
+          </a:xfrm>
+          <a:prstGeom prst="rect">
+            <a:avLst/>
+          </a:prstGeom>
+        </p:spPr>
+      </p:pic>
       <p:sp>
         <p:nvSpPr>
           <p:cNvPr id="6" name="Textfeld 5">
@@ -7161,7 +7332,11 @@
           </a:bodyPr>
           <a:lstStyle/>
           <a:p>
-            <a:pPr algn="ctr"/>
+            <a:pPr algn="ctr">
+              <a:spcAft>
+                <a:spcPts val="600"/>
+              </a:spcAft>
+            </a:pPr>
             <a:r>
               <a:rPr lang="de-DE" sz="1500" dirty="0">
                 <a:solidFill>
@@ -7170,9 +7345,44 @@
               </a:rPr>
               <a:t>Ein Generalisiertes Additives Modell mit logit-Link und den gruppierten Daten pro MINUTE (Uhrzeit der Messung kann mit aufgenommen werden)</a:t>
             </a:r>
-          </a:p>
-        </p:txBody>
-      </p:sp>
+            <a:endParaRPr lang="de-DE" sz="1500">
+              <a:solidFill>
+                <a:schemeClr val="bg1"/>
+              </a:solidFill>
+            </a:endParaRPr>
+          </a:p>
+        </p:txBody>
+      </p:sp>
+      <p:pic>
+        <p:nvPicPr>
+          <p:cNvPr id="7" name="Grafik 6">
+            <a:extLst>
+              <a:ext uri="{FF2B5EF4-FFF2-40B4-BE49-F238E27FC236}">
+                <a16:creationId xmlns:a16="http://schemas.microsoft.com/office/drawing/2014/main" id="{5FE0BA49-8AE9-406E-B638-A74E2977228D}"/>
+              </a:ext>
+            </a:extLst>
+          </p:cNvPr>
+          <p:cNvPicPr>
+            <a:picLocks noChangeAspect="1"/>
+          </p:cNvPicPr>
+          <p:nvPr/>
+        </p:nvPicPr>
+        <p:blipFill>
+          <a:blip r:embed="rId3"/>
+          <a:stretch>
+            <a:fillRect/>
+          </a:stretch>
+        </p:blipFill>
+        <p:spPr>
+          <a:xfrm>
+            <a:off x="5466442" y="3686252"/>
+            <a:ext cx="5920886" cy="3039080"/>
+          </a:xfrm>
+          <a:prstGeom prst="rect">
+            <a:avLst/>
+          </a:prstGeom>
+        </p:spPr>
+      </p:pic>
     </p:spTree>
     <p:extLst>
       <p:ext uri="{BB962C8B-B14F-4D97-AF65-F5344CB8AC3E}">
@@ -7928,10 +8138,10 @@
       </p:sp>
       <p:pic>
         <p:nvPicPr>
-          <p:cNvPr id="9" name="Bildplatzhalter 8" descr="Ein Bild, das Text, Karte enthält.&#10;&#10;Automatisch generierte Beschreibung">
+          <p:cNvPr id="7" name="Bildplatzhalter 6" descr="Ein Bild, das Text, Karte enthält.&#10;&#10;Automatisch generierte Beschreibung">
             <a:extLst>
               <a:ext uri="{FF2B5EF4-FFF2-40B4-BE49-F238E27FC236}">
-                <a16:creationId xmlns:a16="http://schemas.microsoft.com/office/drawing/2014/main" id="{750F56C4-BD17-490E-B134-53B6FAC86FBB}"/>
+                <a16:creationId xmlns:a16="http://schemas.microsoft.com/office/drawing/2014/main" id="{DA36BB12-4EDB-4026-BA26-79052EDD7AB9}"/>
               </a:ext>
             </a:extLst>
           </p:cNvPr>
@@ -7944,17 +8154,14 @@
         </p:nvPicPr>
         <p:blipFill rotWithShape="1">
           <a:blip r:embed="rId2"/>
-          <a:srcRect r="5119" b="18"/>
+          <a:srcRect l="-40" t="-313" r="-64" b="3259"/>
           <a:stretch/>
         </p:blipFill>
         <p:spPr>
           <a:xfrm>
-            <a:off x="4856480" y="1004564"/>
-            <a:ext cx="6685280" cy="4848872"/>
+            <a:off x="4711529" y="914400"/>
+            <a:ext cx="7423236" cy="5186680"/>
           </a:xfrm>
-          <a:prstGeom prst="rect">
-            <a:avLst/>
-          </a:prstGeom>
         </p:spPr>
       </p:pic>
     </p:spTree>

--- a/Organisatorisches/LVS-IR-Taubenstein.pptx
+++ b/Organisatorisches/LVS-IR-Taubenstein.pptx
@@ -126,7 +126,7 @@
 <file path=ppt/revisionInfo.xml><?xml version="1.0" encoding="utf-8"?>
 <p1510:revInfo xmlns:a="http://schemas.openxmlformats.org/drawingml/2006/main" xmlns:r="http://schemas.openxmlformats.org/officeDocument/2006/relationships" xmlns:p1510="http://schemas.microsoft.com/office/powerpoint/2015/10/main">
   <p1510:revLst>
-    <p1510:client id="{495477B4-C613-4D07-BDB7-E23D159D9F6B}" v="70" dt="2020-05-05T14:37:29.667"/>
+    <p1510:client id="{495477B4-C613-4D07-BDB7-E23D159D9F6B}" v="77" dt="2020-05-06T11:06:57.605"/>
   </p1510:revLst>
 </p1510:revInfo>
 </file>
@@ -136,7 +136,7 @@
   <pc:docChgLst>
     <pc:chgData name="Lea Vanheyden" userId="0ebe8cb9b4dd81cf" providerId="LiveId" clId="{495477B4-C613-4D07-BDB7-E23D159D9F6B}"/>
     <pc:docChg chg="undo custSel mod addSld delSld modSld">
-      <pc:chgData name="Lea Vanheyden" userId="0ebe8cb9b4dd81cf" providerId="LiveId" clId="{495477B4-C613-4D07-BDB7-E23D159D9F6B}" dt="2020-05-05T14:38:24.245" v="1835" actId="1076"/>
+      <pc:chgData name="Lea Vanheyden" userId="0ebe8cb9b4dd81cf" providerId="LiveId" clId="{495477B4-C613-4D07-BDB7-E23D159D9F6B}" dt="2020-05-06T11:08:45.784" v="1873" actId="1076"/>
       <pc:docMkLst>
         <pc:docMk/>
       </pc:docMkLst>
@@ -777,50 +777,98 @@
           </ac:spMkLst>
         </pc:spChg>
       </pc:sldChg>
-      <pc:sldChg chg="addSp modSp add">
-        <pc:chgData name="Lea Vanheyden" userId="0ebe8cb9b4dd81cf" providerId="LiveId" clId="{495477B4-C613-4D07-BDB7-E23D159D9F6B}" dt="2020-05-02T09:58:11.105" v="1472" actId="1076"/>
+      <pc:sldChg chg="addSp delSp modSp add mod setBg">
+        <pc:chgData name="Lea Vanheyden" userId="0ebe8cb9b4dd81cf" providerId="LiveId" clId="{495477B4-C613-4D07-BDB7-E23D159D9F6B}" dt="2020-05-06T11:08:45.784" v="1873" actId="1076"/>
         <pc:sldMkLst>
           <pc:docMk/>
           <pc:sldMk cId="2831986765" sldId="266"/>
         </pc:sldMkLst>
         <pc:spChg chg="mod">
-          <ac:chgData name="Lea Vanheyden" userId="0ebe8cb9b4dd81cf" providerId="LiveId" clId="{495477B4-C613-4D07-BDB7-E23D159D9F6B}" dt="2020-05-02T09:47:40.537" v="1091" actId="20577"/>
+          <ac:chgData name="Lea Vanheyden" userId="0ebe8cb9b4dd81cf" providerId="LiveId" clId="{495477B4-C613-4D07-BDB7-E23D159D9F6B}" dt="2020-05-06T11:08:32.358" v="1868" actId="26606"/>
           <ac:spMkLst>
             <pc:docMk/>
             <pc:sldMk cId="2831986765" sldId="266"/>
             <ac:spMk id="2" creationId="{282A2537-1D7F-4BD8-A421-79091B39A12A}"/>
           </ac:spMkLst>
         </pc:spChg>
-        <pc:spChg chg="mod">
-          <ac:chgData name="Lea Vanheyden" userId="0ebe8cb9b4dd81cf" providerId="LiveId" clId="{495477B4-C613-4D07-BDB7-E23D159D9F6B}" dt="2020-05-02T09:57:51.439" v="1468" actId="20577"/>
+        <pc:spChg chg="del mod">
+          <ac:chgData name="Lea Vanheyden" userId="0ebe8cb9b4dd81cf" providerId="LiveId" clId="{495477B4-C613-4D07-BDB7-E23D159D9F6B}" dt="2020-05-06T11:02:44.751" v="1840" actId="478"/>
           <ac:spMkLst>
             <pc:docMk/>
             <pc:sldMk cId="2831986765" sldId="266"/>
             <ac:spMk id="3" creationId="{FC6347EA-05EA-42FE-9D11-8FA15E51B9D8}"/>
           </ac:spMkLst>
         </pc:spChg>
-        <pc:spChg chg="mod">
-          <ac:chgData name="Lea Vanheyden" userId="0ebe8cb9b4dd81cf" providerId="LiveId" clId="{495477B4-C613-4D07-BDB7-E23D159D9F6B}" dt="2020-05-02T09:50:01.886" v="1361" actId="20577"/>
+        <pc:spChg chg="mod ord">
+          <ac:chgData name="Lea Vanheyden" userId="0ebe8cb9b4dd81cf" providerId="LiveId" clId="{495477B4-C613-4D07-BDB7-E23D159D9F6B}" dt="2020-05-06T11:08:32.358" v="1868" actId="26606"/>
           <ac:spMkLst>
             <pc:docMk/>
             <pc:sldMk cId="2831986765" sldId="266"/>
             <ac:spMk id="4" creationId="{8D8C206F-2546-47BA-A5F5-18BE53759FA1}"/>
           </ac:spMkLst>
         </pc:spChg>
+        <pc:spChg chg="add del mod">
+          <ac:chgData name="Lea Vanheyden" userId="0ebe8cb9b4dd81cf" providerId="LiveId" clId="{495477B4-C613-4D07-BDB7-E23D159D9F6B}" dt="2020-05-06T11:02:48.352" v="1841" actId="478"/>
+          <ac:spMkLst>
+            <pc:docMk/>
+            <pc:sldMk cId="2831986765" sldId="266"/>
+            <ac:spMk id="9" creationId="{DB159778-D671-4246-9C3C-3B5091CA9C3A}"/>
+          </ac:spMkLst>
+        </pc:spChg>
+        <pc:spChg chg="add">
+          <ac:chgData name="Lea Vanheyden" userId="0ebe8cb9b4dd81cf" providerId="LiveId" clId="{495477B4-C613-4D07-BDB7-E23D159D9F6B}" dt="2020-05-06T11:08:32.358" v="1868" actId="26606"/>
+          <ac:spMkLst>
+            <pc:docMk/>
+            <pc:sldMk cId="2831986765" sldId="266"/>
+            <ac:spMk id="12" creationId="{BB7B992D-2EE5-431A-908A-7E7D956F2CD8}"/>
+          </ac:spMkLst>
+        </pc:spChg>
+        <pc:spChg chg="add del">
+          <ac:chgData name="Lea Vanheyden" userId="0ebe8cb9b4dd81cf" providerId="LiveId" clId="{495477B4-C613-4D07-BDB7-E23D159D9F6B}" dt="2020-05-06T11:04:56.009" v="1853" actId="26606"/>
+          <ac:spMkLst>
+            <pc:docMk/>
+            <pc:sldMk cId="2831986765" sldId="266"/>
+            <ac:spMk id="15" creationId="{ECD6E6E8-151D-4402-8E0B-B529FBDC6471}"/>
+          </ac:spMkLst>
+        </pc:spChg>
+        <pc:spChg chg="add del">
+          <ac:chgData name="Lea Vanheyden" userId="0ebe8cb9b4dd81cf" providerId="LiveId" clId="{495477B4-C613-4D07-BDB7-E23D159D9F6B}" dt="2020-05-06T11:04:55.538" v="1852" actId="26606"/>
+          <ac:spMkLst>
+            <pc:docMk/>
+            <pc:sldMk cId="2831986765" sldId="266"/>
+            <ac:spMk id="20" creationId="{BB7B992D-2EE5-431A-908A-7E7D956F2CD8}"/>
+          </ac:spMkLst>
+        </pc:spChg>
         <pc:picChg chg="add mod">
-          <ac:chgData name="Lea Vanheyden" userId="0ebe8cb9b4dd81cf" providerId="LiveId" clId="{495477B4-C613-4D07-BDB7-E23D159D9F6B}" dt="2020-05-02T09:58:11.105" v="1472" actId="1076"/>
+          <ac:chgData name="Lea Vanheyden" userId="0ebe8cb9b4dd81cf" providerId="LiveId" clId="{495477B4-C613-4D07-BDB7-E23D159D9F6B}" dt="2020-05-06T11:08:39.237" v="1870" actId="1076"/>
+          <ac:picMkLst>
+            <pc:docMk/>
+            <pc:sldMk cId="2831986765" sldId="266"/>
+            <ac:picMk id="5" creationId="{931F0C0E-4822-4453-8012-BFAC7FF71885}"/>
+          </ac:picMkLst>
+        </pc:picChg>
+        <pc:picChg chg="add del mod">
+          <ac:chgData name="Lea Vanheyden" userId="0ebe8cb9b4dd81cf" providerId="LiveId" clId="{495477B4-C613-4D07-BDB7-E23D159D9F6B}" dt="2020-05-06T11:02:34.171" v="1836" actId="478"/>
           <ac:picMkLst>
             <pc:docMk/>
             <pc:sldMk cId="2831986765" sldId="266"/>
             <ac:picMk id="6" creationId="{DEE288AA-5395-4F52-AE00-ADF5401B5C01}"/>
           </ac:picMkLst>
         </pc:picChg>
-        <pc:picChg chg="add mod">
-          <ac:chgData name="Lea Vanheyden" userId="0ebe8cb9b4dd81cf" providerId="LiveId" clId="{495477B4-C613-4D07-BDB7-E23D159D9F6B}" dt="2020-05-02T09:58:01.089" v="1470" actId="1076"/>
+        <pc:picChg chg="add del mod">
+          <ac:chgData name="Lea Vanheyden" userId="0ebe8cb9b4dd81cf" providerId="LiveId" clId="{495477B4-C613-4D07-BDB7-E23D159D9F6B}" dt="2020-05-06T11:02:53.474" v="1843" actId="478"/>
           <ac:picMkLst>
             <pc:docMk/>
             <pc:sldMk cId="2831986765" sldId="266"/>
             <ac:picMk id="8" creationId="{C9BAEFDD-059E-425D-8DC7-E443B93F4CCB}"/>
+          </ac:picMkLst>
+        </pc:picChg>
+        <pc:picChg chg="add mod ord">
+          <ac:chgData name="Lea Vanheyden" userId="0ebe8cb9b4dd81cf" providerId="LiveId" clId="{495477B4-C613-4D07-BDB7-E23D159D9F6B}" dt="2020-05-06T11:08:45.784" v="1873" actId="1076"/>
+          <ac:picMkLst>
+            <pc:docMk/>
+            <pc:sldMk cId="2831986765" sldId="266"/>
+            <ac:picMk id="10" creationId="{9358FB4F-B4CB-4BD9-ACBE-814F238CA18A}"/>
           </ac:picMkLst>
         </pc:picChg>
       </pc:sldChg>
@@ -1026,6 +1074,61 @@
             <ac:spMk id="4" creationId="{3B63BC7F-AB55-4E50-AA74-557DFEBAB8FB}"/>
           </ac:spMkLst>
         </pc:spChg>
+      </pc:sldChg>
+      <pc:sldChg chg="addSp delSp modSp add del mod setBg delDesignElem">
+        <pc:chgData name="Lea Vanheyden" userId="0ebe8cb9b4dd81cf" providerId="LiveId" clId="{495477B4-C613-4D07-BDB7-E23D159D9F6B}" dt="2020-05-06T11:07:39.414" v="1867" actId="2696"/>
+        <pc:sldMkLst>
+          <pc:docMk/>
+          <pc:sldMk cId="1395098275" sldId="269"/>
+        </pc:sldMkLst>
+        <pc:spChg chg="mod">
+          <ac:chgData name="Lea Vanheyden" userId="0ebe8cb9b4dd81cf" providerId="LiveId" clId="{495477B4-C613-4D07-BDB7-E23D159D9F6B}" dt="2020-05-06T11:07:27.152" v="1866" actId="26606"/>
+          <ac:spMkLst>
+            <pc:docMk/>
+            <pc:sldMk cId="1395098275" sldId="269"/>
+            <ac:spMk id="2" creationId="{0B3AB336-22A9-4EA5-917F-11EECDCEFD4A}"/>
+          </ac:spMkLst>
+        </pc:spChg>
+        <pc:spChg chg="mod ord">
+          <ac:chgData name="Lea Vanheyden" userId="0ebe8cb9b4dd81cf" providerId="LiveId" clId="{495477B4-C613-4D07-BDB7-E23D159D9F6B}" dt="2020-05-06T11:07:27.152" v="1866" actId="26606"/>
+          <ac:spMkLst>
+            <pc:docMk/>
+            <pc:sldMk cId="1395098275" sldId="269"/>
+            <ac:spMk id="6" creationId="{7A98BEFE-53E5-48C5-8B19-EFBA4F67CFC7}"/>
+          </ac:spMkLst>
+        </pc:spChg>
+        <pc:spChg chg="del">
+          <ac:chgData name="Lea Vanheyden" userId="0ebe8cb9b4dd81cf" providerId="LiveId" clId="{495477B4-C613-4D07-BDB7-E23D159D9F6B}" dt="2020-05-06T11:06:17.550" v="1860"/>
+          <ac:spMkLst>
+            <pc:docMk/>
+            <pc:sldMk cId="1395098275" sldId="269"/>
+            <ac:spMk id="11" creationId="{ED6F0A31-5407-4EFA-9DFA-67E942682962}"/>
+          </ac:spMkLst>
+        </pc:spChg>
+        <pc:spChg chg="add">
+          <ac:chgData name="Lea Vanheyden" userId="0ebe8cb9b4dd81cf" providerId="LiveId" clId="{495477B4-C613-4D07-BDB7-E23D159D9F6B}" dt="2020-05-06T11:07:27.152" v="1866" actId="26606"/>
+          <ac:spMkLst>
+            <pc:docMk/>
+            <pc:sldMk cId="1395098275" sldId="269"/>
+            <ac:spMk id="12" creationId="{AFC58823-8FAD-4453-9176-BC2C180CC191}"/>
+          </ac:spMkLst>
+        </pc:spChg>
+        <pc:picChg chg="mod">
+          <ac:chgData name="Lea Vanheyden" userId="0ebe8cb9b4dd81cf" providerId="LiveId" clId="{495477B4-C613-4D07-BDB7-E23D159D9F6B}" dt="2020-05-06T11:07:27.152" v="1866" actId="26606"/>
+          <ac:picMkLst>
+            <pc:docMk/>
+            <pc:sldMk cId="1395098275" sldId="269"/>
+            <ac:picMk id="3" creationId="{53BAAA17-2836-40F7-ACE4-5859236A61D2}"/>
+          </ac:picMkLst>
+        </pc:picChg>
+        <pc:picChg chg="mod">
+          <ac:chgData name="Lea Vanheyden" userId="0ebe8cb9b4dd81cf" providerId="LiveId" clId="{495477B4-C613-4D07-BDB7-E23D159D9F6B}" dt="2020-05-06T11:07:27.152" v="1866" actId="26606"/>
+          <ac:picMkLst>
+            <pc:docMk/>
+            <pc:sldMk cId="1395098275" sldId="269"/>
+            <ac:picMk id="7" creationId="{5FE0BA49-8AE9-406E-B638-A74E2977228D}"/>
+          </ac:picMkLst>
+        </pc:picChg>
       </pc:sldChg>
       <pc:sldChg chg="modSp add del">
         <pc:chgData name="Lea Vanheyden" userId="0ebe8cb9b4dd81cf" providerId="LiveId" clId="{495477B4-C613-4D07-BDB7-E23D159D9F6B}" dt="2020-05-02T10:03:32.772" v="1592" actId="2696"/>
@@ -1210,7 +1313,7 @@
           <a:p>
             <a:fld id="{1160EA64-D806-43AC-9DF2-F8C432F32B4C}" type="datetimeFigureOut">
               <a:rPr lang="en-US" dirty="0"/>
-              <a:t>5/5/2020</a:t>
+              <a:t>5/6/2020</a:t>
             </a:fld>
             <a:endParaRPr lang="en-US" dirty="0"/>
           </a:p>
@@ -1376,7 +1479,7 @@
           <a:p>
             <a:fld id="{E9F9C37B-1D36-470B-8223-D6C91242EC14}" type="datetimeFigureOut">
               <a:rPr lang="en-US" dirty="0"/>
-              <a:t>5/5/2020</a:t>
+              <a:t>5/6/2020</a:t>
             </a:fld>
             <a:endParaRPr lang="en-US" dirty="0"/>
           </a:p>
@@ -1551,7 +1654,7 @@
           <a:p>
             <a:fld id="{67C6F52A-A82B-47A2-A83A-8C4C91F2D59F}" type="datetimeFigureOut">
               <a:rPr lang="en-US" dirty="0"/>
-              <a:t>5/5/2020</a:t>
+              <a:t>5/6/2020</a:t>
             </a:fld>
             <a:endParaRPr lang="en-US" dirty="0"/>
           </a:p>
@@ -1716,7 +1819,7 @@
           <a:p>
             <a:fld id="{F070A7B3-6521-4DCA-87E5-044747A908C1}" type="datetimeFigureOut">
               <a:rPr lang="en-US" dirty="0"/>
-              <a:t>5/5/2020</a:t>
+              <a:t>5/6/2020</a:t>
             </a:fld>
             <a:endParaRPr lang="en-US" dirty="0"/>
           </a:p>
@@ -1980,7 +2083,7 @@
           <a:p>
             <a:fld id="{1160EA64-D806-43AC-9DF2-F8C432F32B4C}" type="datetimeFigureOut">
               <a:rPr lang="en-US" dirty="0"/>
-              <a:t>5/5/2020</a:t>
+              <a:t>5/6/2020</a:t>
             </a:fld>
             <a:endParaRPr lang="en-US" dirty="0"/>
           </a:p>
@@ -2208,7 +2311,7 @@
           <a:p>
             <a:fld id="{AB134690-1557-4C89-A502-4959FE7FAD70}" type="datetimeFigureOut">
               <a:rPr lang="en-US" dirty="0"/>
-              <a:t>5/5/2020</a:t>
+              <a:t>5/6/2020</a:t>
             </a:fld>
             <a:endParaRPr lang="en-US" dirty="0"/>
           </a:p>
@@ -2558,7 +2661,7 @@
           <a:p>
             <a:fld id="{4F7D4976-E339-4826-83B7-FBD03F55ECF8}" type="datetimeFigureOut">
               <a:rPr lang="en-US" dirty="0"/>
-              <a:t>5/5/2020</a:t>
+              <a:t>5/6/2020</a:t>
             </a:fld>
             <a:endParaRPr lang="en-US" dirty="0"/>
           </a:p>
@@ -2694,7 +2797,7 @@
           <a:p>
             <a:fld id="{E1037C31-9E7A-4F99-8774-A0E530DE1A42}" type="datetimeFigureOut">
               <a:rPr lang="en-US" dirty="0"/>
-              <a:t>5/5/2020</a:t>
+              <a:t>5/6/2020</a:t>
             </a:fld>
             <a:endParaRPr lang="en-US" dirty="0"/>
           </a:p>
@@ -2784,7 +2887,7 @@
           <a:p>
             <a:fld id="{C278504F-A551-4DE0-9316-4DCD1D8CC752}" type="datetimeFigureOut">
               <a:rPr lang="en-US" dirty="0"/>
-              <a:t>5/5/2020</a:t>
+              <a:t>5/6/2020</a:t>
             </a:fld>
             <a:endParaRPr lang="en-US" dirty="0"/>
           </a:p>
@@ -3136,7 +3239,7 @@
           <a:p>
             <a:fld id="{1160EA64-D806-43AC-9DF2-F8C432F32B4C}" type="datetimeFigureOut">
               <a:rPr lang="en-US" dirty="0"/>
-              <a:t>5/5/2020</a:t>
+              <a:t>5/6/2020</a:t>
             </a:fld>
             <a:endParaRPr lang="en-US" dirty="0"/>
           </a:p>
@@ -3489,7 +3592,7 @@
             <a:fld id="{1160EA64-D806-43AC-9DF2-F8C432F32B4C}" type="datetimeFigureOut">
               <a:rPr lang="en-US" dirty="0"/>
               <a:pPr/>
-              <a:t>5/5/2020</a:t>
+              <a:t>5/6/2020</a:t>
             </a:fld>
             <a:endParaRPr lang="en-US" dirty="0"/>
           </a:p>
@@ -3725,7 +3828,7 @@
           <a:p>
             <a:fld id="{1160EA64-D806-43AC-9DF2-F8C432F32B4C}" type="datetimeFigureOut">
               <a:rPr lang="en-US" dirty="0"/>
-              <a:t>5/5/2020</a:t>
+              <a:t>5/6/2020</a:t>
             </a:fld>
             <a:endParaRPr lang="en-US" dirty="0"/>
           </a:p>
@@ -4368,6 +4471,14 @@
 <file path=ppt/slides/slide11.xml><?xml version="1.0" encoding="utf-8"?>
 <p:sld xmlns:a="http://schemas.openxmlformats.org/drawingml/2006/main" xmlns:r="http://schemas.openxmlformats.org/officeDocument/2006/relationships" xmlns:p="http://schemas.openxmlformats.org/presentationml/2006/main">
   <p:cSld>
+    <p:bg>
+      <p:bgPr>
+        <a:solidFill>
+          <a:schemeClr val="bg2"/>
+        </a:solidFill>
+        <a:effectLst/>
+      </p:bgPr>
+    </p:bg>
     <p:spTree>
       <p:nvGrpSpPr>
         <p:cNvPr id="1" name=""/>
@@ -4382,187 +4493,12 @@
           <a:chExt cx="0" cy="0"/>
         </a:xfrm>
       </p:grpSpPr>
-      <p:sp>
-        <p:nvSpPr>
-          <p:cNvPr id="2" name="Titel 1">
+      <p:pic>
+        <p:nvPicPr>
+          <p:cNvPr id="10" name="Grafik 9">
             <a:extLst>
               <a:ext uri="{FF2B5EF4-FFF2-40B4-BE49-F238E27FC236}">
-                <a16:creationId xmlns:a16="http://schemas.microsoft.com/office/drawing/2014/main" id="{282A2537-1D7F-4BD8-A421-79091B39A12A}"/>
-              </a:ext>
-            </a:extLst>
-          </p:cNvPr>
-          <p:cNvSpPr>
-            <a:spLocks noGrp="1"/>
-          </p:cNvSpPr>
-          <p:nvPr>
-            <p:ph type="title"/>
-          </p:nvPr>
-        </p:nvSpPr>
-        <p:spPr/>
-        <p:txBody>
-          <a:bodyPr/>
-          <a:lstStyle/>
-          <a:p>
-            <a:r>
-              <a:rPr lang="de-DE" dirty="0"/>
-              <a:t>Vergleichen</a:t>
-            </a:r>
-          </a:p>
-        </p:txBody>
-      </p:sp>
-      <p:sp>
-        <p:nvSpPr>
-          <p:cNvPr id="3" name="Inhaltsplatzhalter 2">
-            <a:extLst>
-              <a:ext uri="{FF2B5EF4-FFF2-40B4-BE49-F238E27FC236}">
-                <a16:creationId xmlns:a16="http://schemas.microsoft.com/office/drawing/2014/main" id="{FC6347EA-05EA-42FE-9D11-8FA15E51B9D8}"/>
-              </a:ext>
-            </a:extLst>
-          </p:cNvPr>
-          <p:cNvSpPr>
-            <a:spLocks noGrp="1"/>
-          </p:cNvSpPr>
-          <p:nvPr>
-            <p:ph idx="1"/>
-          </p:nvPr>
-        </p:nvSpPr>
-        <p:spPr>
-          <a:xfrm>
-            <a:off x="6365018" y="190248"/>
-            <a:ext cx="4815840" cy="5248656"/>
-          </a:xfrm>
-        </p:spPr>
-        <p:txBody>
-          <a:bodyPr>
-            <a:normAutofit/>
-          </a:bodyPr>
-          <a:lstStyle/>
-          <a:p>
-            <a:pPr marL="0" indent="0">
-              <a:buNone/>
-            </a:pPr>
-            <a:r>
-              <a:rPr lang="de-DE" sz="1400" dirty="0"/>
-              <a:t>Daten 18/19</a:t>
-            </a:r>
-          </a:p>
-          <a:p>
-            <a:pPr marL="0" indent="0">
-              <a:buNone/>
-            </a:pPr>
-            <a:endParaRPr lang="de-DE" sz="1400" dirty="0"/>
-          </a:p>
-          <a:p>
-            <a:pPr marL="0" indent="0">
-              <a:buNone/>
-            </a:pPr>
-            <a:endParaRPr lang="de-DE" sz="1400" dirty="0"/>
-          </a:p>
-          <a:p>
-            <a:pPr marL="0" indent="0">
-              <a:buNone/>
-            </a:pPr>
-            <a:endParaRPr lang="de-DE" sz="1400" dirty="0"/>
-          </a:p>
-          <a:p>
-            <a:pPr marL="0" indent="0">
-              <a:buNone/>
-            </a:pPr>
-            <a:endParaRPr lang="de-DE" sz="1400" dirty="0"/>
-          </a:p>
-          <a:p>
-            <a:pPr marL="0" indent="0">
-              <a:buNone/>
-            </a:pPr>
-            <a:endParaRPr lang="de-DE" sz="1400" dirty="0"/>
-          </a:p>
-          <a:p>
-            <a:pPr marL="0" indent="0">
-              <a:buNone/>
-            </a:pPr>
-            <a:endParaRPr lang="de-DE" sz="1400" dirty="0"/>
-          </a:p>
-          <a:p>
-            <a:pPr marL="0" indent="0">
-              <a:buNone/>
-            </a:pPr>
-            <a:endParaRPr lang="de-DE" sz="1400" dirty="0"/>
-          </a:p>
-          <a:p>
-            <a:pPr marL="0" indent="0">
-              <a:buNone/>
-            </a:pPr>
-            <a:endParaRPr lang="de-DE" sz="1400" dirty="0"/>
-          </a:p>
-          <a:p>
-            <a:pPr marL="0" indent="0">
-              <a:buNone/>
-            </a:pPr>
-            <a:endParaRPr lang="de-DE" sz="1400" dirty="0"/>
-          </a:p>
-          <a:p>
-            <a:pPr marL="0" indent="0">
-              <a:buNone/>
-            </a:pPr>
-            <a:r>
-              <a:rPr lang="de-DE" sz="1400" dirty="0"/>
-              <a:t>Daten wenn Gerät 20% nicht misst</a:t>
-            </a:r>
-          </a:p>
-          <a:p>
-            <a:pPr marL="0" indent="0">
-              <a:buNone/>
-            </a:pPr>
-            <a:endParaRPr lang="de-DE" sz="1400" dirty="0"/>
-          </a:p>
-          <a:p>
-            <a:pPr marL="0" indent="0">
-              <a:buNone/>
-            </a:pPr>
-            <a:endParaRPr lang="de-DE" sz="1400" dirty="0"/>
-          </a:p>
-          <a:p>
-            <a:pPr marL="0" indent="0">
-              <a:buNone/>
-            </a:pPr>
-            <a:endParaRPr lang="de-DE" sz="1400" dirty="0"/>
-          </a:p>
-        </p:txBody>
-      </p:sp>
-      <p:sp>
-        <p:nvSpPr>
-          <p:cNvPr id="4" name="Textplatzhalter 3">
-            <a:extLst>
-              <a:ext uri="{FF2B5EF4-FFF2-40B4-BE49-F238E27FC236}">
-                <a16:creationId xmlns:a16="http://schemas.microsoft.com/office/drawing/2014/main" id="{8D8C206F-2546-47BA-A5F5-18BE53759FA1}"/>
-              </a:ext>
-            </a:extLst>
-          </p:cNvPr>
-          <p:cNvSpPr>
-            <a:spLocks noGrp="1"/>
-          </p:cNvSpPr>
-          <p:nvPr>
-            <p:ph type="body" sz="half" idx="2"/>
-          </p:nvPr>
-        </p:nvSpPr>
-        <p:spPr/>
-        <p:txBody>
-          <a:bodyPr/>
-          <a:lstStyle/>
-          <a:p>
-            <a:r>
-              <a:rPr lang="de-DE" dirty="0"/>
-              <a:t>Gibt es Unterschiede in der Art der Wirkung? (z.B. hohe Temperatur vorher weniger LVS-Geräte und jetzt mehr)</a:t>
-            </a:r>
-          </a:p>
-        </p:txBody>
-      </p:sp>
-      <p:pic>
-        <p:nvPicPr>
-          <p:cNvPr id="6" name="Grafik 5">
-            <a:extLst>
-              <a:ext uri="{FF2B5EF4-FFF2-40B4-BE49-F238E27FC236}">
-                <a16:creationId xmlns:a16="http://schemas.microsoft.com/office/drawing/2014/main" id="{DEE288AA-5395-4F52-AE00-ADF5401B5C01}"/>
+                <a16:creationId xmlns:a16="http://schemas.microsoft.com/office/drawing/2014/main" id="{9358FB4F-B4CB-4BD9-ACBE-814F238CA18A}"/>
               </a:ext>
             </a:extLst>
           </p:cNvPr>
@@ -4579,20 +4515,126 @@
         </p:blipFill>
         <p:spPr>
           <a:xfrm>
-            <a:off x="6365020" y="480215"/>
-            <a:ext cx="4434840" cy="2809860"/>
+            <a:off x="758890" y="3480492"/>
+            <a:ext cx="4412550" cy="3177037"/>
           </a:xfrm>
           <a:prstGeom prst="rect">
             <a:avLst/>
           </a:prstGeom>
         </p:spPr>
       </p:pic>
+      <p:sp>
+        <p:nvSpPr>
+          <p:cNvPr id="12" name="Rectangle 14">
+            <a:extLst>
+              <a:ext uri="{FF2B5EF4-FFF2-40B4-BE49-F238E27FC236}">
+                <a16:creationId xmlns:a16="http://schemas.microsoft.com/office/drawing/2014/main" id="{BB7B992D-2EE5-431A-908A-7E7D956F2CD8}"/>
+              </a:ext>
+              <a:ext uri="{C183D7F6-B498-43B3-948B-1728B52AA6E4}">
+                <adec:decorative xmlns:adec="http://schemas.microsoft.com/office/drawing/2017/decorative" val="1"/>
+              </a:ext>
+            </a:extLst>
+          </p:cNvPr>
+          <p:cNvSpPr>
+            <a:spLocks noGrp="1" noRot="1" noChangeAspect="1" noMove="1" noResize="1" noEditPoints="1" noAdjustHandles="1" noChangeArrowheads="1" noChangeShapeType="1" noTextEdit="1"/>
+          </p:cNvSpPr>
+          <p:nvPr>
+            <p:extLst>
+              <p:ext uri="{386F3935-93C4-4BCD-93E2-E3B085C9AB24}">
+                <p16:designElem xmlns:p16="http://schemas.microsoft.com/office/powerpoint/2015/main" val="1"/>
+              </p:ext>
+            </p:extLst>
+          </p:nvPr>
+        </p:nvSpPr>
+        <p:spPr>
+          <a:xfrm>
+            <a:off x="5315061" y="-2"/>
+            <a:ext cx="6876939" cy="6858002"/>
+          </a:xfrm>
+          <a:prstGeom prst="rect">
+            <a:avLst/>
+          </a:prstGeom>
+          <a:solidFill>
+            <a:schemeClr val="accent2"/>
+          </a:solidFill>
+          <a:ln>
+            <a:noFill/>
+          </a:ln>
+        </p:spPr>
+        <p:style>
+          <a:lnRef idx="2">
+            <a:schemeClr val="accent1">
+              <a:shade val="50000"/>
+            </a:schemeClr>
+          </a:lnRef>
+          <a:fillRef idx="1">
+            <a:schemeClr val="accent1"/>
+          </a:fillRef>
+          <a:effectRef idx="0">
+            <a:schemeClr val="accent1"/>
+          </a:effectRef>
+          <a:fontRef idx="minor">
+            <a:schemeClr val="lt1"/>
+          </a:fontRef>
+        </p:style>
+        <p:txBody>
+          <a:bodyPr rtlCol="0" anchor="ctr"/>
+          <a:lstStyle/>
+          <a:p>
+            <a:pPr algn="ctr"/>
+            <a:endParaRPr lang="en-US"/>
+          </a:p>
+        </p:txBody>
+      </p:sp>
+      <p:sp>
+        <p:nvSpPr>
+          <p:cNvPr id="2" name="Titel 1">
+            <a:extLst>
+              <a:ext uri="{FF2B5EF4-FFF2-40B4-BE49-F238E27FC236}">
+                <a16:creationId xmlns:a16="http://schemas.microsoft.com/office/drawing/2014/main" id="{282A2537-1D7F-4BD8-A421-79091B39A12A}"/>
+              </a:ext>
+            </a:extLst>
+          </p:cNvPr>
+          <p:cNvSpPr>
+            <a:spLocks noGrp="1"/>
+          </p:cNvSpPr>
+          <p:nvPr>
+            <p:ph type="title"/>
+          </p:nvPr>
+        </p:nvSpPr>
+        <p:spPr>
+          <a:xfrm>
+            <a:off x="6119732" y="1290025"/>
+            <a:ext cx="5291327" cy="1188720"/>
+          </a:xfrm>
+          <a:solidFill>
+            <a:srgbClr val="FFFFFF"/>
+          </a:solidFill>
+          <a:ln>
+            <a:solidFill>
+              <a:srgbClr val="404040"/>
+            </a:solidFill>
+          </a:ln>
+        </p:spPr>
+        <p:txBody>
+          <a:bodyPr vert="horz" lIns="182880" tIns="182880" rIns="182880" bIns="182880" rtlCol="0" anchor="ctr">
+            <a:normAutofit/>
+          </a:bodyPr>
+          <a:lstStyle/>
+          <a:p>
+            <a:r>
+              <a:rPr lang="en-US" sz="2800"/>
+              <a:t>Vergleichen</a:t>
+            </a:r>
+          </a:p>
+        </p:txBody>
+      </p:sp>
       <p:pic>
         <p:nvPicPr>
-          <p:cNvPr id="8" name="Grafik 7" descr="Ein Bild, das Karte enthält.&#10;&#10;Automatisch generierte Beschreibung">
+          <p:cNvPr id="5" name="Grafik 4">
             <a:extLst>
               <a:ext uri="{FF2B5EF4-FFF2-40B4-BE49-F238E27FC236}">
-                <a16:creationId xmlns:a16="http://schemas.microsoft.com/office/drawing/2014/main" id="{C9BAEFDD-059E-425D-8DC7-E443B93F4CCB}"/>
+                <a16:creationId xmlns:a16="http://schemas.microsoft.com/office/drawing/2014/main" id="{931F0C0E-4822-4453-8012-BFAC7FF71885}"/>
               </a:ext>
             </a:extLst>
           </p:cNvPr>
@@ -4609,14 +4651,53 @@
         </p:blipFill>
         <p:spPr>
           <a:xfrm>
-            <a:off x="6365018" y="3886595"/>
-            <a:ext cx="4434842" cy="2809861"/>
+            <a:off x="758890" y="200472"/>
+            <a:ext cx="4412550" cy="3177037"/>
           </a:xfrm>
           <a:prstGeom prst="rect">
             <a:avLst/>
           </a:prstGeom>
         </p:spPr>
       </p:pic>
+      <p:sp>
+        <p:nvSpPr>
+          <p:cNvPr id="4" name="Textplatzhalter 3">
+            <a:extLst>
+              <a:ext uri="{FF2B5EF4-FFF2-40B4-BE49-F238E27FC236}">
+                <a16:creationId xmlns:a16="http://schemas.microsoft.com/office/drawing/2014/main" id="{8D8C206F-2546-47BA-A5F5-18BE53759FA1}"/>
+              </a:ext>
+            </a:extLst>
+          </p:cNvPr>
+          <p:cNvSpPr>
+            <a:spLocks noGrp="1"/>
+          </p:cNvSpPr>
+          <p:nvPr>
+            <p:ph type="body" sz="half" idx="2"/>
+          </p:nvPr>
+        </p:nvSpPr>
+        <p:spPr>
+          <a:xfrm>
+            <a:off x="6119732" y="2858703"/>
+            <a:ext cx="5285791" cy="3042547"/>
+          </a:xfrm>
+        </p:spPr>
+        <p:txBody>
+          <a:bodyPr vert="horz" lIns="91440" tIns="45720" rIns="91440" bIns="45720" rtlCol="0">
+            <a:normAutofit/>
+          </a:bodyPr>
+          <a:lstStyle/>
+          <a:p>
+            <a:pPr indent="-228600" algn="l">
+              <a:buFont typeface="Arial" panose="020B0604020202020204" pitchFamily="34" charset="0"/>
+              <a:buChar char="•"/>
+            </a:pPr>
+            <a:r>
+              <a:rPr lang="en-US"/>
+              <a:t>Gibt es Unterschiede in der Art der Wirkung? (z.B. hohe Temperatur vorher weniger LVS-Geräte und jetzt mehr)</a:t>
+            </a:r>
+          </a:p>
+        </p:txBody>
+      </p:sp>
     </p:spTree>
     <p:extLst>
       <p:ext uri="{BB962C8B-B14F-4D97-AF65-F5344CB8AC3E}">
